--- a/MicroService Course/3.RestFulWSCreation/15.VersioningRestApi.pptx
+++ b/MicroService Course/3.RestFulWSCreation/15.VersioningRestApi.pptx
@@ -5,11 +5,14 @@
     <p:sldMasterId id="2147483648" r:id="rId1"/>
   </p:sldMasterIdLst>
   <p:sldIdLst>
-    <p:sldId id="256" r:id="rId2"/>
-    <p:sldId id="257" r:id="rId3"/>
-    <p:sldId id="258" r:id="rId4"/>
-    <p:sldId id="259" r:id="rId5"/>
-    <p:sldId id="260" r:id="rId6"/>
+    <p:sldId id="263" r:id="rId2"/>
+    <p:sldId id="256" r:id="rId3"/>
+    <p:sldId id="257" r:id="rId4"/>
+    <p:sldId id="258" r:id="rId5"/>
+    <p:sldId id="259" r:id="rId6"/>
+    <p:sldId id="260" r:id="rId7"/>
+    <p:sldId id="261" r:id="rId8"/>
+    <p:sldId id="262" r:id="rId9"/>
   </p:sldIdLst>
   <p:sldSz cx="12192000" cy="6858000"/>
   <p:notesSz cx="6858000" cy="9144000"/>
@@ -108,6 +111,11 @@
       </a:defRPr>
     </a:lvl9pPr>
   </p:defaultTextStyle>
+  <p:extLst>
+    <p:ext uri="{EFAFB233-063F-42B5-8137-9DF3F51BA10A}">
+      <p15:sldGuideLst xmlns:p15="http://schemas.microsoft.com/office/powerpoint/2012/main"/>
+    </p:ext>
+  </p:extLst>
 </p:presentation>
 </file>
 
@@ -260,7 +268,7 @@
           <a:p>
             <a:fld id="{D9752682-F86C-4F88-B592-30A6C5E0C612}" type="datetimeFigureOut">
               <a:rPr lang="en-IN" smtClean="0"/>
-              <a:t>25-01-2022</a:t>
+              <a:t>26-01-2022</a:t>
             </a:fld>
             <a:endParaRPr lang="en-IN"/>
           </a:p>
@@ -460,7 +468,7 @@
           <a:p>
             <a:fld id="{D9752682-F86C-4F88-B592-30A6C5E0C612}" type="datetimeFigureOut">
               <a:rPr lang="en-IN" smtClean="0"/>
-              <a:t>25-01-2022</a:t>
+              <a:t>26-01-2022</a:t>
             </a:fld>
             <a:endParaRPr lang="en-IN"/>
           </a:p>
@@ -670,7 +678,7 @@
           <a:p>
             <a:fld id="{D9752682-F86C-4F88-B592-30A6C5E0C612}" type="datetimeFigureOut">
               <a:rPr lang="en-IN" smtClean="0"/>
-              <a:t>25-01-2022</a:t>
+              <a:t>26-01-2022</a:t>
             </a:fld>
             <a:endParaRPr lang="en-IN"/>
           </a:p>
@@ -870,7 +878,7 @@
           <a:p>
             <a:fld id="{D9752682-F86C-4F88-B592-30A6C5E0C612}" type="datetimeFigureOut">
               <a:rPr lang="en-IN" smtClean="0"/>
-              <a:t>25-01-2022</a:t>
+              <a:t>26-01-2022</a:t>
             </a:fld>
             <a:endParaRPr lang="en-IN"/>
           </a:p>
@@ -1146,7 +1154,7 @@
           <a:p>
             <a:fld id="{D9752682-F86C-4F88-B592-30A6C5E0C612}" type="datetimeFigureOut">
               <a:rPr lang="en-IN" smtClean="0"/>
-              <a:t>25-01-2022</a:t>
+              <a:t>26-01-2022</a:t>
             </a:fld>
             <a:endParaRPr lang="en-IN"/>
           </a:p>
@@ -1414,7 +1422,7 @@
           <a:p>
             <a:fld id="{D9752682-F86C-4F88-B592-30A6C5E0C612}" type="datetimeFigureOut">
               <a:rPr lang="en-IN" smtClean="0"/>
-              <a:t>25-01-2022</a:t>
+              <a:t>26-01-2022</a:t>
             </a:fld>
             <a:endParaRPr lang="en-IN"/>
           </a:p>
@@ -1829,7 +1837,7 @@
           <a:p>
             <a:fld id="{D9752682-F86C-4F88-B592-30A6C5E0C612}" type="datetimeFigureOut">
               <a:rPr lang="en-IN" smtClean="0"/>
-              <a:t>25-01-2022</a:t>
+              <a:t>26-01-2022</a:t>
             </a:fld>
             <a:endParaRPr lang="en-IN"/>
           </a:p>
@@ -1971,7 +1979,7 @@
           <a:p>
             <a:fld id="{D9752682-F86C-4F88-B592-30A6C5E0C612}" type="datetimeFigureOut">
               <a:rPr lang="en-IN" smtClean="0"/>
-              <a:t>25-01-2022</a:t>
+              <a:t>26-01-2022</a:t>
             </a:fld>
             <a:endParaRPr lang="en-IN"/>
           </a:p>
@@ -2084,7 +2092,7 @@
           <a:p>
             <a:fld id="{D9752682-F86C-4F88-B592-30A6C5E0C612}" type="datetimeFigureOut">
               <a:rPr lang="en-IN" smtClean="0"/>
-              <a:t>25-01-2022</a:t>
+              <a:t>26-01-2022</a:t>
             </a:fld>
             <a:endParaRPr lang="en-IN"/>
           </a:p>
@@ -2397,7 +2405,7 @@
           <a:p>
             <a:fld id="{D9752682-F86C-4F88-B592-30A6C5E0C612}" type="datetimeFigureOut">
               <a:rPr lang="en-IN" smtClean="0"/>
-              <a:t>25-01-2022</a:t>
+              <a:t>26-01-2022</a:t>
             </a:fld>
             <a:endParaRPr lang="en-IN"/>
           </a:p>
@@ -2686,7 +2694,7 @@
           <a:p>
             <a:fld id="{D9752682-F86C-4F88-B592-30A6C5E0C612}" type="datetimeFigureOut">
               <a:rPr lang="en-IN" smtClean="0"/>
-              <a:t>25-01-2022</a:t>
+              <a:t>26-01-2022</a:t>
             </a:fld>
             <a:endParaRPr lang="en-IN"/>
           </a:p>
@@ -2929,7 +2937,7 @@
           <a:p>
             <a:fld id="{D9752682-F86C-4F88-B592-30A6C5E0C612}" type="datetimeFigureOut">
               <a:rPr lang="en-IN" smtClean="0"/>
-              <a:t>25-01-2022</a:t>
+              <a:t>26-01-2022</a:t>
             </a:fld>
             <a:endParaRPr lang="en-IN"/>
           </a:p>
@@ -3348,423 +3356,184 @@
       </p:grpSpPr>
       <p:sp>
         <p:nvSpPr>
-          <p:cNvPr id="3" name="Subtitle 2">
-            <a:extLst>
-              <a:ext uri="{FF2B5EF4-FFF2-40B4-BE49-F238E27FC236}">
-                <a16:creationId xmlns:a16="http://schemas.microsoft.com/office/drawing/2014/main" id="{FEC9700F-A5A2-4168-8498-C4EDF65DC5B4}"/>
-              </a:ext>
-            </a:extLst>
-          </p:cNvPr>
-          <p:cNvSpPr>
-            <a:spLocks noGrp="1"/>
-          </p:cNvSpPr>
-          <p:nvPr>
-            <p:ph type="subTitle" idx="1"/>
-          </p:nvPr>
-        </p:nvSpPr>
-        <p:spPr>
-          <a:xfrm>
-            <a:off x="1354317" y="481765"/>
-            <a:ext cx="9144000" cy="5721071"/>
-          </a:xfrm>
-        </p:spPr>
-        <p:txBody>
-          <a:bodyPr>
-            <a:normAutofit fontScale="85000" lnSpcReduction="20000"/>
-          </a:bodyPr>
+          <p:cNvPr id="2" name="Title 1">
+            <a:extLst>
+              <a:ext uri="{FF2B5EF4-FFF2-40B4-BE49-F238E27FC236}">
+                <a16:creationId xmlns:a16="http://schemas.microsoft.com/office/drawing/2014/main" id="{1ADC0029-7C2C-4DD7-A28D-D984D42102EB}"/>
+              </a:ext>
+            </a:extLst>
+          </p:cNvPr>
+          <p:cNvSpPr>
+            <a:spLocks noGrp="1"/>
+          </p:cNvSpPr>
+          <p:nvPr>
+            <p:ph type="title"/>
+          </p:nvPr>
+        </p:nvSpPr>
+        <p:spPr/>
+        <p:txBody>
+          <a:bodyPr/>
           <a:lstStyle/>
           <a:p>
             <a:r>
               <a:rPr lang="en-US" dirty="0"/>
-              <a:t>Different Ways to version Rest </a:t>
+              <a:t>Types of Versioning</a:t>
+            </a:r>
+            <a:endParaRPr lang="en-IN" dirty="0"/>
+          </a:p>
+        </p:txBody>
+      </p:sp>
+      <p:sp>
+        <p:nvSpPr>
+          <p:cNvPr id="3" name="Content Placeholder 2">
+            <a:extLst>
+              <a:ext uri="{FF2B5EF4-FFF2-40B4-BE49-F238E27FC236}">
+                <a16:creationId xmlns:a16="http://schemas.microsoft.com/office/drawing/2014/main" id="{3B03803C-67A5-42A9-BE68-FDD116565CE6}"/>
+              </a:ext>
+            </a:extLst>
+          </p:cNvPr>
+          <p:cNvSpPr>
+            <a:spLocks noGrp="1"/>
+          </p:cNvSpPr>
+          <p:nvPr>
+            <p:ph idx="1"/>
+          </p:nvPr>
+        </p:nvSpPr>
+        <p:spPr/>
+        <p:txBody>
+          <a:bodyPr/>
+          <a:lstStyle/>
+          <a:p>
+            <a:pPr marL="514350" indent="-514350">
+              <a:buFont typeface="+mj-lt"/>
+              <a:buAutoNum type="arabicPeriod"/>
+            </a:pPr>
+            <a:r>
+              <a:rPr lang="en-US" dirty="0"/>
+              <a:t>Media type Versioning(using produces )</a:t>
+            </a:r>
+          </a:p>
+          <a:p>
+            <a:pPr marL="971550" lvl="1" indent="-514350">
+              <a:buFont typeface="+mj-lt"/>
+              <a:buAutoNum type="arabicPeriod"/>
+            </a:pPr>
+            <a:r>
+              <a:rPr lang="en-US" dirty="0"/>
+              <a:t>GITHUB uses this kind of versioning . We pass </a:t>
+            </a:r>
+            <a:r>
+              <a:rPr lang="en-US" dirty="0">
+                <a:highlight>
+                  <a:srgbClr val="FFFF00"/>
+                </a:highlight>
+              </a:rPr>
+              <a:t>Accept</a:t>
+            </a:r>
+            <a:r>
+              <a:rPr lang="en-US" dirty="0"/>
+              <a:t> Value in Request</a:t>
+            </a:r>
+          </a:p>
+          <a:p>
+            <a:pPr marL="514350" indent="-514350">
+              <a:buFont typeface="+mj-lt"/>
+              <a:buAutoNum type="arabicPeriod"/>
+            </a:pPr>
+            <a:r>
+              <a:rPr lang="en-US" dirty="0"/>
+              <a:t>Custom Header Versioning	(using headers )</a:t>
+            </a:r>
+          </a:p>
+          <a:p>
+            <a:pPr marL="971550" lvl="1" indent="-514350">
+              <a:buFont typeface="+mj-lt"/>
+              <a:buAutoNum type="arabicPeriod"/>
+            </a:pPr>
+            <a:r>
+              <a:rPr lang="en-US" dirty="0"/>
+              <a:t>Microsoft uses this kind . We pass </a:t>
+            </a:r>
+            <a:r>
+              <a:rPr lang="en-US" dirty="0">
+                <a:highlight>
+                  <a:srgbClr val="FFFF00"/>
+                </a:highlight>
+              </a:rPr>
+              <a:t>Custom Header</a:t>
+            </a:r>
+            <a:r>
+              <a:rPr lang="en-US" dirty="0"/>
+              <a:t> Value in Request</a:t>
+            </a:r>
+          </a:p>
+          <a:p>
+            <a:pPr marL="514350" indent="-514350">
+              <a:buFont typeface="+mj-lt"/>
+              <a:buAutoNum type="arabicPeriod"/>
+            </a:pPr>
+            <a:r>
+              <a:rPr lang="en-US" dirty="0"/>
+              <a:t>URI Versioning</a:t>
+            </a:r>
+          </a:p>
+          <a:p>
+            <a:pPr marL="971550" lvl="1" indent="-514350">
+              <a:buFont typeface="+mj-lt"/>
+              <a:buAutoNum type="arabicPeriod"/>
+            </a:pPr>
+            <a:r>
+              <a:rPr lang="en-US" dirty="0"/>
+              <a:t>Twitter uses this kind. We use different </a:t>
             </a:r>
             <a:r>
               <a:rPr lang="en-US" dirty="0" err="1"/>
-              <a:t>Api</a:t>
+              <a:t>uri</a:t>
             </a:r>
             <a:r>
               <a:rPr lang="en-US" dirty="0"/>
-              <a:t> in Java</a:t>
-            </a:r>
-          </a:p>
-          <a:p>
-            <a:pPr marL="342900" indent="-342900" algn="l">
-              <a:buFont typeface="Arial" panose="020B0604020202020204" pitchFamily="34" charset="0"/>
-              <a:buChar char="•"/>
+              <a:t> for different version.</a:t>
+            </a:r>
+          </a:p>
+          <a:p>
+            <a:pPr marL="514350" indent="-514350">
+              <a:buFont typeface="+mj-lt"/>
+              <a:buAutoNum type="arabicPeriod"/>
             </a:pPr>
             <a:r>
-              <a:rPr lang="en-IN" dirty="0"/>
-              <a:t>URL Versioning:</a:t>
-            </a:r>
-          </a:p>
-          <a:p>
-            <a:pPr marL="800100" lvl="1" indent="-342900" algn="l">
-              <a:buFont typeface="Arial" panose="020B0604020202020204" pitchFamily="34" charset="0"/>
-              <a:buChar char="•"/>
+              <a:rPr lang="en-US" dirty="0"/>
+              <a:t>Parameterized Versioning(using params)</a:t>
+            </a:r>
+          </a:p>
+          <a:p>
+            <a:pPr marL="971550" lvl="1" indent="-514350">
+              <a:buFont typeface="+mj-lt"/>
+              <a:buAutoNum type="arabicPeriod"/>
             </a:pPr>
             <a:r>
-              <a:rPr lang="en-IN" dirty="0"/>
-              <a:t>In this kind of versioning, we specify different </a:t>
-            </a:r>
-            <a:r>
-              <a:rPr lang="en-IN" dirty="0" err="1"/>
-              <a:t>url</a:t>
-            </a:r>
-            <a:r>
-              <a:rPr lang="en-IN" dirty="0"/>
-              <a:t> for different versions.</a:t>
-            </a:r>
-          </a:p>
-          <a:p>
-            <a:pPr algn="l"/>
-            <a:r>
-              <a:rPr lang="en-IN" sz="1800" dirty="0">
-                <a:solidFill>
-                  <a:srgbClr val="3F7F5F"/>
-                </a:solidFill>
-                <a:latin typeface="Consolas" panose="020B0609020204030204" pitchFamily="49" charset="0"/>
-              </a:rPr>
-              <a:t>//Example of URL </a:t>
-            </a:r>
-            <a:r>
-              <a:rPr lang="en-IN" sz="1800" u="sng" dirty="0">
-                <a:solidFill>
-                  <a:srgbClr val="3F7F5F"/>
-                </a:solidFill>
-                <a:latin typeface="Consolas" panose="020B0609020204030204" pitchFamily="49" charset="0"/>
-              </a:rPr>
-              <a:t>Versioning//</a:t>
-            </a:r>
-            <a:endParaRPr lang="en-IN" sz="1800" dirty="0">
-              <a:latin typeface="Consolas" panose="020B0609020204030204" pitchFamily="49" charset="0"/>
-            </a:endParaRPr>
-          </a:p>
-          <a:p>
-            <a:pPr algn="l"/>
-            <a:endParaRPr lang="en-IN" sz="1800" dirty="0">
-              <a:latin typeface="Consolas" panose="020B0609020204030204" pitchFamily="49" charset="0"/>
-            </a:endParaRPr>
-          </a:p>
-          <a:p>
-            <a:pPr algn="l"/>
-            <a:r>
-              <a:rPr lang="en-IN" sz="1800" dirty="0">
-                <a:solidFill>
-                  <a:srgbClr val="646464"/>
-                </a:solidFill>
-                <a:latin typeface="Consolas" panose="020B0609020204030204" pitchFamily="49" charset="0"/>
-              </a:rPr>
-              <a:t>@GetMapping</a:t>
-            </a:r>
-            <a:r>
-              <a:rPr lang="en-IN" sz="1800" dirty="0">
-                <a:solidFill>
-                  <a:srgbClr val="000000"/>
-                </a:solidFill>
-                <a:latin typeface="Consolas" panose="020B0609020204030204" pitchFamily="49" charset="0"/>
-              </a:rPr>
-              <a:t>(</a:t>
-            </a:r>
-            <a:r>
-              <a:rPr lang="en-IN" sz="1800" dirty="0">
-                <a:solidFill>
-                  <a:srgbClr val="2A00FF"/>
-                </a:solidFill>
-                <a:latin typeface="Consolas" panose="020B0609020204030204" pitchFamily="49" charset="0"/>
-              </a:rPr>
-              <a:t>"v1/person"</a:t>
-            </a:r>
-            <a:r>
-              <a:rPr lang="en-IN" sz="1800" dirty="0">
-                <a:solidFill>
-                  <a:srgbClr val="000000"/>
-                </a:solidFill>
-                <a:latin typeface="Consolas" panose="020B0609020204030204" pitchFamily="49" charset="0"/>
-              </a:rPr>
-              <a:t>)</a:t>
-            </a:r>
-          </a:p>
-          <a:p>
-            <a:pPr algn="l"/>
-            <a:r>
-              <a:rPr lang="en-IN" sz="1800" b="1" dirty="0">
-                <a:solidFill>
-                  <a:srgbClr val="7F0055"/>
-                </a:solidFill>
-                <a:latin typeface="Consolas" panose="020B0609020204030204" pitchFamily="49" charset="0"/>
-              </a:rPr>
-              <a:t>public</a:t>
-            </a:r>
-            <a:r>
-              <a:rPr lang="en-IN" sz="1800" b="1" dirty="0">
-                <a:solidFill>
-                  <a:srgbClr val="000000"/>
-                </a:solidFill>
-                <a:latin typeface="Consolas" panose="020B0609020204030204" pitchFamily="49" charset="0"/>
-              </a:rPr>
-              <a:t> String personv1()</a:t>
-            </a:r>
-          </a:p>
-          <a:p>
-            <a:pPr algn="l"/>
-            <a:r>
-              <a:rPr lang="en-IN" sz="1800" dirty="0">
-                <a:solidFill>
-                  <a:srgbClr val="000000"/>
-                </a:solidFill>
-                <a:latin typeface="Consolas" panose="020B0609020204030204" pitchFamily="49" charset="0"/>
-              </a:rPr>
-              <a:t>{</a:t>
-            </a:r>
-          </a:p>
-          <a:p>
-            <a:pPr algn="l"/>
-            <a:r>
-              <a:rPr lang="en-IN" sz="1800" b="1" dirty="0">
-                <a:solidFill>
-                  <a:srgbClr val="7F0055"/>
-                </a:solidFill>
-                <a:latin typeface="Consolas" panose="020B0609020204030204" pitchFamily="49" charset="0"/>
-              </a:rPr>
-              <a:t>return</a:t>
-            </a:r>
-            <a:r>
-              <a:rPr lang="en-IN" sz="1800" b="1" dirty="0">
-                <a:solidFill>
-                  <a:srgbClr val="000000"/>
-                </a:solidFill>
-                <a:latin typeface="Consolas" panose="020B0609020204030204" pitchFamily="49" charset="0"/>
-              </a:rPr>
-              <a:t> </a:t>
-            </a:r>
-            <a:r>
-              <a:rPr lang="en-IN" sz="1800" b="1" dirty="0">
-                <a:solidFill>
-                  <a:srgbClr val="7F0055"/>
-                </a:solidFill>
-                <a:latin typeface="Consolas" panose="020B0609020204030204" pitchFamily="49" charset="0"/>
-              </a:rPr>
-              <a:t>new</a:t>
-            </a:r>
-            <a:r>
-              <a:rPr lang="en-IN" sz="1800" b="1" dirty="0">
-                <a:solidFill>
-                  <a:srgbClr val="000000"/>
-                </a:solidFill>
-                <a:latin typeface="Consolas" panose="020B0609020204030204" pitchFamily="49" charset="0"/>
-              </a:rPr>
-              <a:t> PersonV1().</a:t>
-            </a:r>
-            <a:r>
-              <a:rPr lang="en-IN" sz="1800" b="1" dirty="0" err="1">
-                <a:solidFill>
-                  <a:srgbClr val="000000"/>
-                </a:solidFill>
-                <a:latin typeface="Consolas" panose="020B0609020204030204" pitchFamily="49" charset="0"/>
-              </a:rPr>
-              <a:t>toString</a:t>
-            </a:r>
-            <a:r>
-              <a:rPr lang="en-IN" sz="1800" b="1" dirty="0">
-                <a:solidFill>
-                  <a:srgbClr val="000000"/>
-                </a:solidFill>
-                <a:latin typeface="Consolas" panose="020B0609020204030204" pitchFamily="49" charset="0"/>
-              </a:rPr>
-              <a:t>();</a:t>
-            </a:r>
-          </a:p>
-          <a:p>
-            <a:pPr algn="l"/>
-            <a:r>
-              <a:rPr lang="en-IN" sz="1800" dirty="0">
-                <a:solidFill>
-                  <a:srgbClr val="000000"/>
-                </a:solidFill>
-                <a:latin typeface="Consolas" panose="020B0609020204030204" pitchFamily="49" charset="0"/>
-              </a:rPr>
-              <a:t>}</a:t>
-            </a:r>
-          </a:p>
-          <a:p>
-            <a:pPr algn="l"/>
-            <a:r>
-              <a:rPr lang="en-IN" sz="1800" dirty="0">
-                <a:solidFill>
-                  <a:srgbClr val="000000"/>
-                </a:solidFill>
-                <a:latin typeface="Consolas" panose="020B0609020204030204" pitchFamily="49" charset="0"/>
-              </a:rPr>
-              <a:t>http://localhost:8080/v1/person</a:t>
-            </a:r>
-          </a:p>
-          <a:p>
-            <a:pPr algn="l"/>
-            <a:endParaRPr lang="en-IN" sz="1800" dirty="0">
-              <a:latin typeface="Consolas" panose="020B0609020204030204" pitchFamily="49" charset="0"/>
-            </a:endParaRPr>
-          </a:p>
-          <a:p>
-            <a:pPr algn="l"/>
-            <a:endParaRPr lang="en-IN" sz="1800" dirty="0">
-              <a:latin typeface="Consolas" panose="020B0609020204030204" pitchFamily="49" charset="0"/>
-            </a:endParaRPr>
-          </a:p>
-          <a:p>
-            <a:pPr algn="l"/>
-            <a:r>
-              <a:rPr lang="en-IN" sz="1800" dirty="0">
-                <a:solidFill>
-                  <a:srgbClr val="646464"/>
-                </a:solidFill>
-                <a:latin typeface="Consolas" panose="020B0609020204030204" pitchFamily="49" charset="0"/>
-              </a:rPr>
-              <a:t>@GetMapping</a:t>
-            </a:r>
-            <a:r>
-              <a:rPr lang="en-IN" sz="1800" dirty="0">
-                <a:solidFill>
-                  <a:srgbClr val="000000"/>
-                </a:solidFill>
-                <a:latin typeface="Consolas" panose="020B0609020204030204" pitchFamily="49" charset="0"/>
-              </a:rPr>
-              <a:t>(</a:t>
-            </a:r>
-            <a:r>
-              <a:rPr lang="en-IN" sz="1800" dirty="0">
-                <a:solidFill>
-                  <a:srgbClr val="2A00FF"/>
-                </a:solidFill>
-                <a:latin typeface="Consolas" panose="020B0609020204030204" pitchFamily="49" charset="0"/>
-              </a:rPr>
-              <a:t>"v2/person"</a:t>
-            </a:r>
-            <a:r>
-              <a:rPr lang="en-IN" sz="1800" dirty="0">
-                <a:solidFill>
-                  <a:srgbClr val="000000"/>
-                </a:solidFill>
-                <a:latin typeface="Consolas" panose="020B0609020204030204" pitchFamily="49" charset="0"/>
-              </a:rPr>
-              <a:t>)</a:t>
-            </a:r>
-          </a:p>
-          <a:p>
-            <a:pPr algn="l"/>
-            <a:r>
-              <a:rPr lang="en-IN" sz="1800" b="1" dirty="0">
-                <a:solidFill>
-                  <a:srgbClr val="7F0055"/>
-                </a:solidFill>
-                <a:latin typeface="Consolas" panose="020B0609020204030204" pitchFamily="49" charset="0"/>
-              </a:rPr>
-              <a:t>public</a:t>
-            </a:r>
-            <a:r>
-              <a:rPr lang="en-IN" sz="1800" b="1" dirty="0">
-                <a:solidFill>
-                  <a:srgbClr val="000000"/>
-                </a:solidFill>
-                <a:latin typeface="Consolas" panose="020B0609020204030204" pitchFamily="49" charset="0"/>
-              </a:rPr>
-              <a:t> String personv2()</a:t>
-            </a:r>
-          </a:p>
-          <a:p>
-            <a:pPr algn="l"/>
-            <a:r>
-              <a:rPr lang="en-IN" sz="1800" dirty="0">
-                <a:solidFill>
-                  <a:srgbClr val="000000"/>
-                </a:solidFill>
-                <a:latin typeface="Consolas" panose="020B0609020204030204" pitchFamily="49" charset="0"/>
-              </a:rPr>
-              <a:t>{</a:t>
-            </a:r>
-          </a:p>
-          <a:p>
-            <a:pPr algn="l"/>
-            <a:r>
-              <a:rPr lang="en-IN" sz="1800" b="1" dirty="0">
-                <a:solidFill>
-                  <a:srgbClr val="7F0055"/>
-                </a:solidFill>
-                <a:latin typeface="Consolas" panose="020B0609020204030204" pitchFamily="49" charset="0"/>
-              </a:rPr>
-              <a:t>return</a:t>
-            </a:r>
-            <a:r>
-              <a:rPr lang="en-IN" sz="1800" b="1" dirty="0">
-                <a:solidFill>
-                  <a:srgbClr val="000000"/>
-                </a:solidFill>
-                <a:latin typeface="Consolas" panose="020B0609020204030204" pitchFamily="49" charset="0"/>
-              </a:rPr>
-              <a:t> </a:t>
-            </a:r>
-            <a:r>
-              <a:rPr lang="en-IN" sz="1800" b="1" dirty="0">
-                <a:solidFill>
-                  <a:srgbClr val="7F0055"/>
-                </a:solidFill>
-                <a:latin typeface="Consolas" panose="020B0609020204030204" pitchFamily="49" charset="0"/>
-              </a:rPr>
-              <a:t>new</a:t>
-            </a:r>
-            <a:r>
-              <a:rPr lang="en-IN" sz="1800" b="1" dirty="0">
-                <a:solidFill>
-                  <a:srgbClr val="000000"/>
-                </a:solidFill>
-                <a:latin typeface="Consolas" panose="020B0609020204030204" pitchFamily="49" charset="0"/>
-              </a:rPr>
-              <a:t> PersonV2().</a:t>
-            </a:r>
-            <a:r>
-              <a:rPr lang="en-IN" sz="1800" b="1" dirty="0" err="1">
-                <a:solidFill>
-                  <a:srgbClr val="000000"/>
-                </a:solidFill>
-                <a:latin typeface="Consolas" panose="020B0609020204030204" pitchFamily="49" charset="0"/>
-              </a:rPr>
-              <a:t>toString</a:t>
-            </a:r>
-            <a:r>
-              <a:rPr lang="en-IN" sz="1800" b="1" dirty="0">
-                <a:solidFill>
-                  <a:srgbClr val="000000"/>
-                </a:solidFill>
-                <a:latin typeface="Consolas" panose="020B0609020204030204" pitchFamily="49" charset="0"/>
-              </a:rPr>
-              <a:t>();</a:t>
-            </a:r>
-          </a:p>
-          <a:p>
-            <a:pPr algn="l"/>
-            <a:r>
-              <a:rPr lang="en-IN" sz="1800" dirty="0">
-                <a:solidFill>
-                  <a:srgbClr val="000000"/>
-                </a:solidFill>
-                <a:latin typeface="Consolas" panose="020B0609020204030204" pitchFamily="49" charset="0"/>
-              </a:rPr>
-              <a:t>}</a:t>
-            </a:r>
-          </a:p>
-          <a:p>
-            <a:pPr algn="l"/>
-            <a:r>
-              <a:rPr lang="en-IN" sz="1800" dirty="0">
-                <a:solidFill>
-                  <a:srgbClr val="000000"/>
-                </a:solidFill>
-                <a:latin typeface="Consolas" panose="020B0609020204030204" pitchFamily="49" charset="0"/>
-              </a:rPr>
-              <a:t>http://localhost:8080/v2/person</a:t>
-            </a:r>
-          </a:p>
-          <a:p>
-            <a:pPr algn="l"/>
+              <a:rPr lang="en-US" dirty="0"/>
+              <a:t>We pass different parameters in URI Itself. Amazon uses this.</a:t>
+            </a:r>
+          </a:p>
+          <a:p>
+            <a:pPr marL="971550" lvl="1" indent="-514350">
+              <a:buFont typeface="+mj-lt"/>
+              <a:buAutoNum type="arabicPeriod"/>
+            </a:pPr>
+            <a:endParaRPr lang="en-US" dirty="0"/>
+          </a:p>
+          <a:p>
+            <a:pPr marL="514350" indent="-514350">
+              <a:buFont typeface="+mj-lt"/>
+              <a:buAutoNum type="arabicPeriod"/>
+            </a:pPr>
+            <a:endParaRPr lang="en-US" dirty="0"/>
+          </a:p>
+          <a:p>
+            <a:pPr marL="971550" lvl="1" indent="-514350">
+              <a:buFont typeface="+mj-lt"/>
+              <a:buAutoNum type="arabicPeriod"/>
+            </a:pPr>
             <a:endParaRPr lang="en-IN" dirty="0"/>
           </a:p>
         </p:txBody>
@@ -3772,7 +3541,7 @@
     </p:spTree>
     <p:extLst>
       <p:ext uri="{BB962C8B-B14F-4D97-AF65-F5344CB8AC3E}">
-        <p14:creationId xmlns:p14="http://schemas.microsoft.com/office/powerpoint/2010/main" val="6527394"/>
+        <p14:creationId xmlns:p14="http://schemas.microsoft.com/office/powerpoint/2010/main" val="377224234"/>
       </p:ext>
     </p:extLst>
   </p:cSld>
@@ -3801,55 +3570,73 @@
       </p:grpSpPr>
       <p:sp>
         <p:nvSpPr>
-          <p:cNvPr id="2" name="Title 1">
-            <a:extLst>
-              <a:ext uri="{FF2B5EF4-FFF2-40B4-BE49-F238E27FC236}">
-                <a16:creationId xmlns:a16="http://schemas.microsoft.com/office/drawing/2014/main" id="{4F3E5E7A-E5A7-4705-91E3-96F2B738A04B}"/>
-              </a:ext>
-            </a:extLst>
-          </p:cNvPr>
-          <p:cNvSpPr>
-            <a:spLocks noGrp="1"/>
-          </p:cNvSpPr>
-          <p:nvPr>
-            <p:ph type="title"/>
-          </p:nvPr>
-        </p:nvSpPr>
-        <p:spPr/>
-        <p:txBody>
-          <a:bodyPr/>
+          <p:cNvPr id="3" name="Subtitle 2">
+            <a:extLst>
+              <a:ext uri="{FF2B5EF4-FFF2-40B4-BE49-F238E27FC236}">
+                <a16:creationId xmlns:a16="http://schemas.microsoft.com/office/drawing/2014/main" id="{FEC9700F-A5A2-4168-8498-C4EDF65DC5B4}"/>
+              </a:ext>
+            </a:extLst>
+          </p:cNvPr>
+          <p:cNvSpPr>
+            <a:spLocks noGrp="1"/>
+          </p:cNvSpPr>
+          <p:nvPr>
+            <p:ph type="subTitle" idx="1"/>
+          </p:nvPr>
+        </p:nvSpPr>
+        <p:spPr>
+          <a:xfrm>
+            <a:off x="1354317" y="481765"/>
+            <a:ext cx="9144000" cy="5721071"/>
+          </a:xfrm>
+        </p:spPr>
+        <p:txBody>
+          <a:bodyPr>
+            <a:normAutofit fontScale="85000" lnSpcReduction="20000"/>
+          </a:bodyPr>
           <a:lstStyle/>
           <a:p>
             <a:r>
               <a:rPr lang="en-US" dirty="0"/>
-              <a:t>Parameterized Versioning</a:t>
-            </a:r>
-            <a:endParaRPr lang="en-IN" dirty="0"/>
-          </a:p>
-        </p:txBody>
-      </p:sp>
-      <p:sp>
-        <p:nvSpPr>
-          <p:cNvPr id="3" name="Content Placeholder 2">
-            <a:extLst>
-              <a:ext uri="{FF2B5EF4-FFF2-40B4-BE49-F238E27FC236}">
-                <a16:creationId xmlns:a16="http://schemas.microsoft.com/office/drawing/2014/main" id="{25B180ED-167F-4E2E-941D-F0C77168F4FD}"/>
-              </a:ext>
-            </a:extLst>
-          </p:cNvPr>
-          <p:cNvSpPr>
-            <a:spLocks noGrp="1"/>
-          </p:cNvSpPr>
-          <p:nvPr>
-            <p:ph idx="1"/>
-          </p:nvPr>
-        </p:nvSpPr>
-        <p:spPr/>
-        <p:txBody>
-          <a:bodyPr>
-            <a:normAutofit lnSpcReduction="10000"/>
-          </a:bodyPr>
-          <a:lstStyle/>
+              <a:t>Different Ways to version Rest </a:t>
+            </a:r>
+            <a:r>
+              <a:rPr lang="en-US" dirty="0" err="1"/>
+              <a:t>Api</a:t>
+            </a:r>
+            <a:r>
+              <a:rPr lang="en-US" dirty="0"/>
+              <a:t> in Java</a:t>
+            </a:r>
+          </a:p>
+          <a:p>
+            <a:pPr marL="342900" indent="-342900" algn="l">
+              <a:buFont typeface="Arial" panose="020B0604020202020204" pitchFamily="34" charset="0"/>
+              <a:buChar char="•"/>
+            </a:pPr>
+            <a:r>
+              <a:rPr lang="en-IN" dirty="0"/>
+              <a:t>URL Versioning:</a:t>
+            </a:r>
+          </a:p>
+          <a:p>
+            <a:pPr marL="800100" lvl="1" indent="-342900" algn="l">
+              <a:buFont typeface="Arial" panose="020B0604020202020204" pitchFamily="34" charset="0"/>
+              <a:buChar char="•"/>
+            </a:pPr>
+            <a:r>
+              <a:rPr lang="en-IN" dirty="0"/>
+              <a:t>In this kind of versioning, we specify different </a:t>
+            </a:r>
+            <a:r>
+              <a:rPr lang="en-IN" dirty="0" err="1"/>
+              <a:t>url</a:t>
+            </a:r>
+            <a:r>
+              <a:rPr lang="en-IN" dirty="0"/>
+              <a:t> for different versions.</a:t>
+            </a:r>
+          </a:p>
           <a:p>
             <a:pPr algn="l"/>
             <a:r>
@@ -3859,7 +3646,7 @@
                 </a:solidFill>
                 <a:latin typeface="Consolas" panose="020B0609020204030204" pitchFamily="49" charset="0"/>
               </a:rPr>
-              <a:t>// Example of </a:t>
+              <a:t>//Example of URL </a:t>
             </a:r>
             <a:r>
               <a:rPr lang="en-IN" sz="1800" u="sng" dirty="0">
@@ -3868,211 +3655,17 @@
                 </a:solidFill>
                 <a:latin typeface="Consolas" panose="020B0609020204030204" pitchFamily="49" charset="0"/>
               </a:rPr>
-              <a:t>Parameterised versioning</a:t>
-            </a:r>
-            <a:br>
-              <a:rPr lang="en-IN" sz="1800" u="sng" dirty="0">
-                <a:solidFill>
-                  <a:srgbClr val="3F7F5F"/>
-                </a:solidFill>
-                <a:latin typeface="Consolas" panose="020B0609020204030204" pitchFamily="49" charset="0"/>
-              </a:rPr>
-            </a:br>
-            <a:br>
-              <a:rPr lang="en-IN" sz="1800" u="sng" dirty="0">
-                <a:solidFill>
-                  <a:srgbClr val="3F7F5F"/>
-                </a:solidFill>
-                <a:latin typeface="Consolas" panose="020B0609020204030204" pitchFamily="49" charset="0"/>
-              </a:rPr>
-            </a:br>
-            <a:r>
-              <a:rPr lang="en-IN" sz="1800" u="sng" dirty="0">
-                <a:solidFill>
-                  <a:srgbClr val="3F7F5F"/>
-                </a:solidFill>
-                <a:latin typeface="Consolas" panose="020B0609020204030204" pitchFamily="49" charset="0"/>
-              </a:rPr>
-              <a:t>http://localhost:8080/person/param?version=1</a:t>
-            </a:r>
-          </a:p>
-          <a:p>
-            <a:pPr algn="l"/>
-            <a:r>
-              <a:rPr lang="en-IN" sz="1800" dirty="0">
-                <a:solidFill>
-                  <a:srgbClr val="646464"/>
-                </a:solidFill>
-                <a:latin typeface="Consolas" panose="020B0609020204030204" pitchFamily="49" charset="0"/>
-              </a:rPr>
-              <a:t>@GetMapping</a:t>
-            </a:r>
-            <a:r>
-              <a:rPr lang="en-IN" sz="1800" dirty="0">
-                <a:solidFill>
-                  <a:srgbClr val="000000"/>
-                </a:solidFill>
-                <a:latin typeface="Consolas" panose="020B0609020204030204" pitchFamily="49" charset="0"/>
-              </a:rPr>
-              <a:t>(value=</a:t>
-            </a:r>
-            <a:r>
-              <a:rPr lang="en-IN" sz="1800" dirty="0">
-                <a:solidFill>
-                  <a:srgbClr val="2A00FF"/>
-                </a:solidFill>
-                <a:latin typeface="Consolas" panose="020B0609020204030204" pitchFamily="49" charset="0"/>
-              </a:rPr>
-              <a:t>"person/param"</a:t>
-            </a:r>
-            <a:r>
-              <a:rPr lang="en-IN" sz="1800" dirty="0">
-                <a:solidFill>
-                  <a:srgbClr val="000000"/>
-                </a:solidFill>
-                <a:latin typeface="Consolas" panose="020B0609020204030204" pitchFamily="49" charset="0"/>
-              </a:rPr>
-              <a:t>,params =</a:t>
-            </a:r>
-            <a:r>
-              <a:rPr lang="en-IN" sz="1800" dirty="0">
-                <a:solidFill>
-                  <a:srgbClr val="2A00FF"/>
-                </a:solidFill>
-                <a:latin typeface="Consolas" panose="020B0609020204030204" pitchFamily="49" charset="0"/>
-              </a:rPr>
-              <a:t>"version=1"</a:t>
-            </a:r>
-            <a:r>
-              <a:rPr lang="en-IN" sz="1800" dirty="0">
-                <a:solidFill>
-                  <a:srgbClr val="000000"/>
-                </a:solidFill>
-                <a:latin typeface="Consolas" panose="020B0609020204030204" pitchFamily="49" charset="0"/>
-              </a:rPr>
-              <a:t>)</a:t>
-            </a:r>
-          </a:p>
-          <a:p>
-            <a:pPr algn="l"/>
-            <a:r>
-              <a:rPr lang="en-IN" sz="1800" b="1" dirty="0">
-                <a:solidFill>
-                  <a:srgbClr val="7F0055"/>
-                </a:solidFill>
-                <a:latin typeface="Consolas" panose="020B0609020204030204" pitchFamily="49" charset="0"/>
-              </a:rPr>
-              <a:t>public</a:t>
-            </a:r>
-            <a:r>
-              <a:rPr lang="en-IN" sz="1800" b="1" dirty="0">
-                <a:solidFill>
-                  <a:srgbClr val="000000"/>
-                </a:solidFill>
-                <a:latin typeface="Consolas" panose="020B0609020204030204" pitchFamily="49" charset="0"/>
-              </a:rPr>
-              <a:t> String paramV1() {</a:t>
-            </a:r>
-          </a:p>
-          <a:p>
-            <a:pPr algn="l"/>
-            <a:r>
-              <a:rPr lang="en-IN" sz="1800" b="1" dirty="0">
-                <a:solidFill>
-                  <a:srgbClr val="7F0055"/>
-                </a:solidFill>
-                <a:latin typeface="Consolas" panose="020B0609020204030204" pitchFamily="49" charset="0"/>
-              </a:rPr>
-              <a:t>return</a:t>
-            </a:r>
-            <a:r>
-              <a:rPr lang="en-IN" sz="1800" b="1" dirty="0">
-                <a:solidFill>
-                  <a:srgbClr val="000000"/>
-                </a:solidFill>
-                <a:latin typeface="Consolas" panose="020B0609020204030204" pitchFamily="49" charset="0"/>
-              </a:rPr>
-              <a:t> </a:t>
-            </a:r>
-            <a:r>
-              <a:rPr lang="en-IN" sz="1800" b="1" dirty="0">
-                <a:solidFill>
-                  <a:srgbClr val="7F0055"/>
-                </a:solidFill>
-                <a:latin typeface="Consolas" panose="020B0609020204030204" pitchFamily="49" charset="0"/>
-              </a:rPr>
-              <a:t>new</a:t>
-            </a:r>
-            <a:r>
-              <a:rPr lang="en-IN" sz="1800" b="1" dirty="0">
-                <a:solidFill>
-                  <a:srgbClr val="000000"/>
-                </a:solidFill>
-                <a:latin typeface="Consolas" panose="020B0609020204030204" pitchFamily="49" charset="0"/>
-              </a:rPr>
-              <a:t> PersonV1().</a:t>
-            </a:r>
-            <a:r>
-              <a:rPr lang="en-IN" sz="1800" b="1" dirty="0" err="1">
-                <a:solidFill>
-                  <a:srgbClr val="000000"/>
-                </a:solidFill>
-                <a:latin typeface="Consolas" panose="020B0609020204030204" pitchFamily="49" charset="0"/>
-              </a:rPr>
-              <a:t>toString</a:t>
-            </a:r>
-            <a:r>
-              <a:rPr lang="en-IN" sz="1800" b="1" dirty="0">
-                <a:solidFill>
-                  <a:srgbClr val="000000"/>
-                </a:solidFill>
-                <a:latin typeface="Consolas" panose="020B0609020204030204" pitchFamily="49" charset="0"/>
-              </a:rPr>
-              <a:t>();</a:t>
-            </a:r>
-          </a:p>
-          <a:p>
-            <a:pPr algn="l"/>
-            <a:r>
-              <a:rPr lang="en-IN" sz="1800" dirty="0">
-                <a:solidFill>
-                  <a:srgbClr val="000000"/>
-                </a:solidFill>
-                <a:latin typeface="Consolas" panose="020B0609020204030204" pitchFamily="49" charset="0"/>
-              </a:rPr>
-              <a:t>}</a:t>
-            </a:r>
-            <a:br>
-              <a:rPr lang="en-IN" sz="1800" dirty="0">
-                <a:solidFill>
-                  <a:srgbClr val="000000"/>
-                </a:solidFill>
-                <a:latin typeface="Consolas" panose="020B0609020204030204" pitchFamily="49" charset="0"/>
-              </a:rPr>
-            </a:br>
-            <a:br>
-              <a:rPr lang="en-IN" sz="1800" dirty="0">
-                <a:solidFill>
-                  <a:srgbClr val="000000"/>
-                </a:solidFill>
-                <a:latin typeface="Consolas" panose="020B0609020204030204" pitchFamily="49" charset="0"/>
-              </a:rPr>
-            </a:br>
+              <a:t>Versioning//</a:t>
+            </a:r>
             <a:endParaRPr lang="en-IN" sz="1800" dirty="0">
-              <a:solidFill>
-                <a:srgbClr val="000000"/>
-              </a:solidFill>
               <a:latin typeface="Consolas" panose="020B0609020204030204" pitchFamily="49" charset="0"/>
             </a:endParaRPr>
           </a:p>
           <a:p>
             <a:pPr algn="l"/>
-            <a:r>
-              <a:rPr lang="en-IN" sz="1800" dirty="0">
-                <a:latin typeface="Consolas" panose="020B0609020204030204" pitchFamily="49" charset="0"/>
-              </a:rPr>
-              <a:t>http://localhost:8080/person/param?version=2</a:t>
-            </a:r>
+            <a:endParaRPr lang="en-IN" sz="1800" dirty="0">
+              <a:latin typeface="Consolas" panose="020B0609020204030204" pitchFamily="49" charset="0"/>
+            </a:endParaRPr>
           </a:p>
           <a:p>
             <a:pPr algn="l"/>
@@ -4092,7 +3685,7 @@
                 </a:solidFill>
                 <a:latin typeface="Consolas" panose="020B0609020204030204" pitchFamily="49" charset="0"/>
               </a:rPr>
-              <a:t>(value=</a:t>
+              <a:t>(</a:t>
             </a:r>
             <a:r>
               <a:rPr lang="en-IN" sz="1800" dirty="0">
@@ -4101,16 +3694,163 @@
                 </a:solidFill>
                 <a:latin typeface="Consolas" panose="020B0609020204030204" pitchFamily="49" charset="0"/>
               </a:rPr>
-              <a:t>"person/param"</a:t>
-            </a:r>
-            <a:r>
-              <a:rPr lang="en-IN" sz="1800" dirty="0">
-                <a:solidFill>
-                  <a:srgbClr val="000000"/>
-                </a:solidFill>
-                <a:latin typeface="Consolas" panose="020B0609020204030204" pitchFamily="49" charset="0"/>
-              </a:rPr>
-              <a:t>,params=</a:t>
+              <a:t>"v1/person"</a:t>
+            </a:r>
+            <a:r>
+              <a:rPr lang="en-IN" sz="1800" dirty="0">
+                <a:solidFill>
+                  <a:srgbClr val="000000"/>
+                </a:solidFill>
+                <a:latin typeface="Consolas" panose="020B0609020204030204" pitchFamily="49" charset="0"/>
+              </a:rPr>
+              <a:t>)</a:t>
+            </a:r>
+          </a:p>
+          <a:p>
+            <a:pPr algn="l"/>
+            <a:r>
+              <a:rPr lang="en-IN" sz="1800" b="1" dirty="0">
+                <a:solidFill>
+                  <a:srgbClr val="7F0055"/>
+                </a:solidFill>
+                <a:latin typeface="Consolas" panose="020B0609020204030204" pitchFamily="49" charset="0"/>
+              </a:rPr>
+              <a:t>public</a:t>
+            </a:r>
+            <a:r>
+              <a:rPr lang="en-IN" sz="1800" b="1" dirty="0">
+                <a:solidFill>
+                  <a:srgbClr val="000000"/>
+                </a:solidFill>
+                <a:latin typeface="Consolas" panose="020B0609020204030204" pitchFamily="49" charset="0"/>
+              </a:rPr>
+              <a:t> String personv1()</a:t>
+            </a:r>
+          </a:p>
+          <a:p>
+            <a:pPr algn="l"/>
+            <a:r>
+              <a:rPr lang="en-IN" sz="1800" dirty="0">
+                <a:solidFill>
+                  <a:srgbClr val="000000"/>
+                </a:solidFill>
+                <a:latin typeface="Consolas" panose="020B0609020204030204" pitchFamily="49" charset="0"/>
+              </a:rPr>
+              <a:t>{</a:t>
+            </a:r>
+          </a:p>
+          <a:p>
+            <a:pPr algn="l"/>
+            <a:r>
+              <a:rPr lang="en-IN" sz="1800" b="1" dirty="0">
+                <a:solidFill>
+                  <a:srgbClr val="7F0055"/>
+                </a:solidFill>
+                <a:latin typeface="Consolas" panose="020B0609020204030204" pitchFamily="49" charset="0"/>
+              </a:rPr>
+              <a:t>return</a:t>
+            </a:r>
+            <a:r>
+              <a:rPr lang="en-IN" sz="1800" b="1" dirty="0">
+                <a:solidFill>
+                  <a:srgbClr val="000000"/>
+                </a:solidFill>
+                <a:latin typeface="Consolas" panose="020B0609020204030204" pitchFamily="49" charset="0"/>
+              </a:rPr>
+              <a:t> </a:t>
+            </a:r>
+            <a:r>
+              <a:rPr lang="en-IN" sz="1800" b="1" dirty="0">
+                <a:solidFill>
+                  <a:srgbClr val="7F0055"/>
+                </a:solidFill>
+                <a:latin typeface="Consolas" panose="020B0609020204030204" pitchFamily="49" charset="0"/>
+              </a:rPr>
+              <a:t>new</a:t>
+            </a:r>
+            <a:r>
+              <a:rPr lang="en-IN" sz="1800" b="1" dirty="0">
+                <a:solidFill>
+                  <a:srgbClr val="000000"/>
+                </a:solidFill>
+                <a:latin typeface="Consolas" panose="020B0609020204030204" pitchFamily="49" charset="0"/>
+              </a:rPr>
+              <a:t> PersonV1().</a:t>
+            </a:r>
+            <a:r>
+              <a:rPr lang="en-IN" sz="1800" b="1" dirty="0" err="1">
+                <a:solidFill>
+                  <a:srgbClr val="000000"/>
+                </a:solidFill>
+                <a:latin typeface="Consolas" panose="020B0609020204030204" pitchFamily="49" charset="0"/>
+              </a:rPr>
+              <a:t>toString</a:t>
+            </a:r>
+            <a:r>
+              <a:rPr lang="en-IN" sz="1800" b="1" dirty="0">
+                <a:solidFill>
+                  <a:srgbClr val="000000"/>
+                </a:solidFill>
+                <a:latin typeface="Consolas" panose="020B0609020204030204" pitchFamily="49" charset="0"/>
+              </a:rPr>
+              <a:t>();</a:t>
+            </a:r>
+          </a:p>
+          <a:p>
+            <a:pPr algn="l"/>
+            <a:r>
+              <a:rPr lang="en-IN" sz="1800" dirty="0">
+                <a:solidFill>
+                  <a:srgbClr val="000000"/>
+                </a:solidFill>
+                <a:latin typeface="Consolas" panose="020B0609020204030204" pitchFamily="49" charset="0"/>
+              </a:rPr>
+              <a:t>}</a:t>
+            </a:r>
+          </a:p>
+          <a:p>
+            <a:pPr algn="l"/>
+            <a:r>
+              <a:rPr lang="en-IN" sz="1800" dirty="0">
+                <a:solidFill>
+                  <a:srgbClr val="000000"/>
+                </a:solidFill>
+                <a:latin typeface="Consolas" panose="020B0609020204030204" pitchFamily="49" charset="0"/>
+              </a:rPr>
+              <a:t>http://localhost:8080/v1/person</a:t>
+            </a:r>
+          </a:p>
+          <a:p>
+            <a:pPr algn="l"/>
+            <a:endParaRPr lang="en-IN" sz="1800" dirty="0">
+              <a:latin typeface="Consolas" panose="020B0609020204030204" pitchFamily="49" charset="0"/>
+            </a:endParaRPr>
+          </a:p>
+          <a:p>
+            <a:pPr algn="l"/>
+            <a:endParaRPr lang="en-IN" sz="1800" dirty="0">
+              <a:latin typeface="Consolas" panose="020B0609020204030204" pitchFamily="49" charset="0"/>
+            </a:endParaRPr>
+          </a:p>
+          <a:p>
+            <a:pPr algn="l"/>
+            <a:r>
+              <a:rPr lang="en-IN" sz="1800" dirty="0">
+                <a:solidFill>
+                  <a:srgbClr val="646464"/>
+                </a:solidFill>
+                <a:latin typeface="Consolas" panose="020B0609020204030204" pitchFamily="49" charset="0"/>
+              </a:rPr>
+              <a:t>@GetMapping</a:t>
+            </a:r>
+            <a:r>
+              <a:rPr lang="en-IN" sz="1800" dirty="0">
+                <a:solidFill>
+                  <a:srgbClr val="000000"/>
+                </a:solidFill>
+                <a:latin typeface="Consolas" panose="020B0609020204030204" pitchFamily="49" charset="0"/>
+              </a:rPr>
+              <a:t>(</a:t>
             </a:r>
             <a:r>
               <a:rPr lang="en-IN" sz="1800" dirty="0">
@@ -4119,7 +3859,7 @@
                 </a:solidFill>
                 <a:latin typeface="Consolas" panose="020B0609020204030204" pitchFamily="49" charset="0"/>
               </a:rPr>
-              <a:t>"version=2"</a:t>
+              <a:t>"v2/person"</a:t>
             </a:r>
             <a:r>
               <a:rPr lang="en-IN" sz="1800" dirty="0">
@@ -4149,12 +3889,24 @@
                 </a:solidFill>
                 <a:latin typeface="Consolas" panose="020B0609020204030204" pitchFamily="49" charset="0"/>
               </a:rPr>
-              <a:t> String paramV2() {</a:t>
+              <a:t> String personv2()</a:t>
             </a:r>
           </a:p>
           <a:p>
             <a:pPr algn="l"/>
             <a:r>
+              <a:rPr lang="en-IN" sz="1800" dirty="0">
+                <a:solidFill>
+                  <a:srgbClr val="000000"/>
+                </a:solidFill>
+                <a:latin typeface="Consolas" panose="020B0609020204030204" pitchFamily="49" charset="0"/>
+              </a:rPr>
+              <a:t>{</a:t>
+            </a:r>
+          </a:p>
+          <a:p>
+            <a:pPr algn="l"/>
+            <a:r>
               <a:rPr lang="en-IN" sz="1800" b="1" dirty="0">
                 <a:solidFill>
                   <a:srgbClr val="7F0055"/>
@@ -4220,6 +3972,21 @@
               </a:rPr>
               <a:t>}</a:t>
             </a:r>
+          </a:p>
+          <a:p>
+            <a:pPr algn="l"/>
+            <a:r>
+              <a:rPr lang="en-IN" sz="1800" dirty="0">
+                <a:solidFill>
+                  <a:srgbClr val="000000"/>
+                </a:solidFill>
+                <a:latin typeface="Consolas" panose="020B0609020204030204" pitchFamily="49" charset="0"/>
+              </a:rPr>
+              <a:t>http://localhost:8080/v2/person</a:t>
+            </a:r>
+          </a:p>
+          <a:p>
+            <a:pPr algn="l"/>
             <a:endParaRPr lang="en-IN" dirty="0"/>
           </a:p>
         </p:txBody>
@@ -4227,7 +3994,7 @@
     </p:spTree>
     <p:extLst>
       <p:ext uri="{BB962C8B-B14F-4D97-AF65-F5344CB8AC3E}">
-        <p14:creationId xmlns:p14="http://schemas.microsoft.com/office/powerpoint/2010/main" val="588930471"/>
+        <p14:creationId xmlns:p14="http://schemas.microsoft.com/office/powerpoint/2010/main" val="6527394"/>
       </p:ext>
     </p:extLst>
   </p:cSld>
@@ -4259,6 +4026,461 @@
           <p:cNvPr id="2" name="Title 1">
             <a:extLst>
               <a:ext uri="{FF2B5EF4-FFF2-40B4-BE49-F238E27FC236}">
+                <a16:creationId xmlns:a16="http://schemas.microsoft.com/office/drawing/2014/main" id="{4F3E5E7A-E5A7-4705-91E3-96F2B738A04B}"/>
+              </a:ext>
+            </a:extLst>
+          </p:cNvPr>
+          <p:cNvSpPr>
+            <a:spLocks noGrp="1"/>
+          </p:cNvSpPr>
+          <p:nvPr>
+            <p:ph type="title"/>
+          </p:nvPr>
+        </p:nvSpPr>
+        <p:spPr/>
+        <p:txBody>
+          <a:bodyPr/>
+          <a:lstStyle/>
+          <a:p>
+            <a:r>
+              <a:rPr lang="en-US" dirty="0"/>
+              <a:t>Parameterized Versioning</a:t>
+            </a:r>
+            <a:endParaRPr lang="en-IN" dirty="0"/>
+          </a:p>
+        </p:txBody>
+      </p:sp>
+      <p:sp>
+        <p:nvSpPr>
+          <p:cNvPr id="3" name="Content Placeholder 2">
+            <a:extLst>
+              <a:ext uri="{FF2B5EF4-FFF2-40B4-BE49-F238E27FC236}">
+                <a16:creationId xmlns:a16="http://schemas.microsoft.com/office/drawing/2014/main" id="{25B180ED-167F-4E2E-941D-F0C77168F4FD}"/>
+              </a:ext>
+            </a:extLst>
+          </p:cNvPr>
+          <p:cNvSpPr>
+            <a:spLocks noGrp="1"/>
+          </p:cNvSpPr>
+          <p:nvPr>
+            <p:ph idx="1"/>
+          </p:nvPr>
+        </p:nvSpPr>
+        <p:spPr/>
+        <p:txBody>
+          <a:bodyPr>
+            <a:normAutofit lnSpcReduction="10000"/>
+          </a:bodyPr>
+          <a:lstStyle/>
+          <a:p>
+            <a:pPr algn="l"/>
+            <a:r>
+              <a:rPr lang="en-IN" sz="1800" dirty="0">
+                <a:solidFill>
+                  <a:srgbClr val="3F7F5F"/>
+                </a:solidFill>
+                <a:latin typeface="Consolas" panose="020B0609020204030204" pitchFamily="49" charset="0"/>
+              </a:rPr>
+              <a:t>// Example of </a:t>
+            </a:r>
+            <a:r>
+              <a:rPr lang="en-IN" sz="1800" u="sng" dirty="0">
+                <a:solidFill>
+                  <a:srgbClr val="3F7F5F"/>
+                </a:solidFill>
+                <a:latin typeface="Consolas" panose="020B0609020204030204" pitchFamily="49" charset="0"/>
+              </a:rPr>
+              <a:t>Parameterised versioning</a:t>
+            </a:r>
+            <a:br>
+              <a:rPr lang="en-IN" sz="1800" u="sng" dirty="0">
+                <a:solidFill>
+                  <a:srgbClr val="3F7F5F"/>
+                </a:solidFill>
+                <a:latin typeface="Consolas" panose="020B0609020204030204" pitchFamily="49" charset="0"/>
+              </a:rPr>
+            </a:br>
+            <a:br>
+              <a:rPr lang="en-IN" sz="1800" u="sng" dirty="0">
+                <a:solidFill>
+                  <a:srgbClr val="3F7F5F"/>
+                </a:solidFill>
+                <a:latin typeface="Consolas" panose="020B0609020204030204" pitchFamily="49" charset="0"/>
+              </a:rPr>
+            </a:br>
+            <a:r>
+              <a:rPr lang="en-IN" sz="1800" u="sng" dirty="0">
+                <a:solidFill>
+                  <a:srgbClr val="3F7F5F"/>
+                </a:solidFill>
+                <a:latin typeface="Consolas" panose="020B0609020204030204" pitchFamily="49" charset="0"/>
+              </a:rPr>
+              <a:t>http://localhost:8080/person/param?version=1</a:t>
+            </a:r>
+          </a:p>
+          <a:p>
+            <a:pPr algn="l"/>
+            <a:r>
+              <a:rPr lang="en-IN" sz="1800" dirty="0">
+                <a:solidFill>
+                  <a:srgbClr val="646464"/>
+                </a:solidFill>
+                <a:latin typeface="Consolas" panose="020B0609020204030204" pitchFamily="49" charset="0"/>
+              </a:rPr>
+              <a:t>@GetMapping</a:t>
+            </a:r>
+            <a:r>
+              <a:rPr lang="en-IN" sz="1800" dirty="0">
+                <a:solidFill>
+                  <a:srgbClr val="000000"/>
+                </a:solidFill>
+                <a:latin typeface="Consolas" panose="020B0609020204030204" pitchFamily="49" charset="0"/>
+              </a:rPr>
+              <a:t>(value=</a:t>
+            </a:r>
+            <a:r>
+              <a:rPr lang="en-IN" sz="1800" dirty="0">
+                <a:solidFill>
+                  <a:srgbClr val="2A00FF"/>
+                </a:solidFill>
+                <a:latin typeface="Consolas" panose="020B0609020204030204" pitchFamily="49" charset="0"/>
+              </a:rPr>
+              <a:t>"person/param"</a:t>
+            </a:r>
+            <a:r>
+              <a:rPr lang="en-IN" sz="1800" dirty="0">
+                <a:solidFill>
+                  <a:srgbClr val="000000"/>
+                </a:solidFill>
+                <a:latin typeface="Consolas" panose="020B0609020204030204" pitchFamily="49" charset="0"/>
+              </a:rPr>
+              <a:t>,params =</a:t>
+            </a:r>
+            <a:r>
+              <a:rPr lang="en-IN" sz="1800" dirty="0">
+                <a:solidFill>
+                  <a:srgbClr val="2A00FF"/>
+                </a:solidFill>
+                <a:latin typeface="Consolas" panose="020B0609020204030204" pitchFamily="49" charset="0"/>
+              </a:rPr>
+              <a:t>"version=1"</a:t>
+            </a:r>
+            <a:r>
+              <a:rPr lang="en-IN" sz="1800" dirty="0">
+                <a:solidFill>
+                  <a:srgbClr val="000000"/>
+                </a:solidFill>
+                <a:latin typeface="Consolas" panose="020B0609020204030204" pitchFamily="49" charset="0"/>
+              </a:rPr>
+              <a:t>)</a:t>
+            </a:r>
+          </a:p>
+          <a:p>
+            <a:pPr algn="l"/>
+            <a:r>
+              <a:rPr lang="en-IN" sz="1800" b="1" dirty="0">
+                <a:solidFill>
+                  <a:srgbClr val="7F0055"/>
+                </a:solidFill>
+                <a:latin typeface="Consolas" panose="020B0609020204030204" pitchFamily="49" charset="0"/>
+              </a:rPr>
+              <a:t>public</a:t>
+            </a:r>
+            <a:r>
+              <a:rPr lang="en-IN" sz="1800" b="1" dirty="0">
+                <a:solidFill>
+                  <a:srgbClr val="000000"/>
+                </a:solidFill>
+                <a:latin typeface="Consolas" panose="020B0609020204030204" pitchFamily="49" charset="0"/>
+              </a:rPr>
+              <a:t> String paramV1() {</a:t>
+            </a:r>
+          </a:p>
+          <a:p>
+            <a:pPr algn="l"/>
+            <a:r>
+              <a:rPr lang="en-IN" sz="1800" b="1" dirty="0">
+                <a:solidFill>
+                  <a:srgbClr val="7F0055"/>
+                </a:solidFill>
+                <a:latin typeface="Consolas" panose="020B0609020204030204" pitchFamily="49" charset="0"/>
+              </a:rPr>
+              <a:t>return</a:t>
+            </a:r>
+            <a:r>
+              <a:rPr lang="en-IN" sz="1800" b="1" dirty="0">
+                <a:solidFill>
+                  <a:srgbClr val="000000"/>
+                </a:solidFill>
+                <a:latin typeface="Consolas" panose="020B0609020204030204" pitchFamily="49" charset="0"/>
+              </a:rPr>
+              <a:t> </a:t>
+            </a:r>
+            <a:r>
+              <a:rPr lang="en-IN" sz="1800" b="1" dirty="0">
+                <a:solidFill>
+                  <a:srgbClr val="7F0055"/>
+                </a:solidFill>
+                <a:latin typeface="Consolas" panose="020B0609020204030204" pitchFamily="49" charset="0"/>
+              </a:rPr>
+              <a:t>new</a:t>
+            </a:r>
+            <a:r>
+              <a:rPr lang="en-IN" sz="1800" b="1" dirty="0">
+                <a:solidFill>
+                  <a:srgbClr val="000000"/>
+                </a:solidFill>
+                <a:latin typeface="Consolas" panose="020B0609020204030204" pitchFamily="49" charset="0"/>
+              </a:rPr>
+              <a:t> PersonV1().</a:t>
+            </a:r>
+            <a:r>
+              <a:rPr lang="en-IN" sz="1800" b="1" dirty="0" err="1">
+                <a:solidFill>
+                  <a:srgbClr val="000000"/>
+                </a:solidFill>
+                <a:latin typeface="Consolas" panose="020B0609020204030204" pitchFamily="49" charset="0"/>
+              </a:rPr>
+              <a:t>toString</a:t>
+            </a:r>
+            <a:r>
+              <a:rPr lang="en-IN" sz="1800" b="1" dirty="0">
+                <a:solidFill>
+                  <a:srgbClr val="000000"/>
+                </a:solidFill>
+                <a:latin typeface="Consolas" panose="020B0609020204030204" pitchFamily="49" charset="0"/>
+              </a:rPr>
+              <a:t>();</a:t>
+            </a:r>
+          </a:p>
+          <a:p>
+            <a:pPr algn="l"/>
+            <a:r>
+              <a:rPr lang="en-IN" sz="1800" dirty="0">
+                <a:solidFill>
+                  <a:srgbClr val="000000"/>
+                </a:solidFill>
+                <a:latin typeface="Consolas" panose="020B0609020204030204" pitchFamily="49" charset="0"/>
+              </a:rPr>
+              <a:t>}</a:t>
+            </a:r>
+            <a:br>
+              <a:rPr lang="en-IN" sz="1800" dirty="0">
+                <a:solidFill>
+                  <a:srgbClr val="000000"/>
+                </a:solidFill>
+                <a:latin typeface="Consolas" panose="020B0609020204030204" pitchFamily="49" charset="0"/>
+              </a:rPr>
+            </a:br>
+            <a:br>
+              <a:rPr lang="en-IN" sz="1800" dirty="0">
+                <a:solidFill>
+                  <a:srgbClr val="000000"/>
+                </a:solidFill>
+                <a:latin typeface="Consolas" panose="020B0609020204030204" pitchFamily="49" charset="0"/>
+              </a:rPr>
+            </a:br>
+            <a:endParaRPr lang="en-IN" sz="1800" dirty="0">
+              <a:solidFill>
+                <a:srgbClr val="000000"/>
+              </a:solidFill>
+              <a:latin typeface="Consolas" panose="020B0609020204030204" pitchFamily="49" charset="0"/>
+            </a:endParaRPr>
+          </a:p>
+          <a:p>
+            <a:pPr algn="l"/>
+            <a:r>
+              <a:rPr lang="en-IN" sz="1800" dirty="0">
+                <a:latin typeface="Consolas" panose="020B0609020204030204" pitchFamily="49" charset="0"/>
+              </a:rPr>
+              <a:t>http://localhost:8080/person/param?version=2</a:t>
+            </a:r>
+          </a:p>
+          <a:p>
+            <a:pPr algn="l"/>
+            <a:r>
+              <a:rPr lang="en-IN" sz="1800" dirty="0">
+                <a:solidFill>
+                  <a:srgbClr val="646464"/>
+                </a:solidFill>
+                <a:latin typeface="Consolas" panose="020B0609020204030204" pitchFamily="49" charset="0"/>
+              </a:rPr>
+              <a:t>@GetMapping</a:t>
+            </a:r>
+            <a:r>
+              <a:rPr lang="en-IN" sz="1800" dirty="0">
+                <a:solidFill>
+                  <a:srgbClr val="000000"/>
+                </a:solidFill>
+                <a:latin typeface="Consolas" panose="020B0609020204030204" pitchFamily="49" charset="0"/>
+              </a:rPr>
+              <a:t>(value=</a:t>
+            </a:r>
+            <a:r>
+              <a:rPr lang="en-IN" sz="1800" dirty="0">
+                <a:solidFill>
+                  <a:srgbClr val="2A00FF"/>
+                </a:solidFill>
+                <a:latin typeface="Consolas" panose="020B0609020204030204" pitchFamily="49" charset="0"/>
+              </a:rPr>
+              <a:t>"person/param"</a:t>
+            </a:r>
+            <a:r>
+              <a:rPr lang="en-IN" sz="1800" dirty="0">
+                <a:solidFill>
+                  <a:srgbClr val="000000"/>
+                </a:solidFill>
+                <a:latin typeface="Consolas" panose="020B0609020204030204" pitchFamily="49" charset="0"/>
+              </a:rPr>
+              <a:t>,params=</a:t>
+            </a:r>
+            <a:r>
+              <a:rPr lang="en-IN" sz="1800" dirty="0">
+                <a:solidFill>
+                  <a:srgbClr val="2A00FF"/>
+                </a:solidFill>
+                <a:latin typeface="Consolas" panose="020B0609020204030204" pitchFamily="49" charset="0"/>
+              </a:rPr>
+              <a:t>"version=2"</a:t>
+            </a:r>
+            <a:r>
+              <a:rPr lang="en-IN" sz="1800" dirty="0">
+                <a:solidFill>
+                  <a:srgbClr val="000000"/>
+                </a:solidFill>
+                <a:latin typeface="Consolas" panose="020B0609020204030204" pitchFamily="49" charset="0"/>
+              </a:rPr>
+              <a:t>)</a:t>
+            </a:r>
+          </a:p>
+          <a:p>
+            <a:pPr algn="l"/>
+            <a:r>
+              <a:rPr lang="en-IN" sz="1800" b="1" dirty="0">
+                <a:solidFill>
+                  <a:srgbClr val="7F0055"/>
+                </a:solidFill>
+                <a:latin typeface="Consolas" panose="020B0609020204030204" pitchFamily="49" charset="0"/>
+              </a:rPr>
+              <a:t>public</a:t>
+            </a:r>
+            <a:r>
+              <a:rPr lang="en-IN" sz="1800" b="1" dirty="0">
+                <a:solidFill>
+                  <a:srgbClr val="000000"/>
+                </a:solidFill>
+                <a:latin typeface="Consolas" panose="020B0609020204030204" pitchFamily="49" charset="0"/>
+              </a:rPr>
+              <a:t> String paramV2() {</a:t>
+            </a:r>
+          </a:p>
+          <a:p>
+            <a:pPr algn="l"/>
+            <a:r>
+              <a:rPr lang="en-IN" sz="1800" b="1" dirty="0">
+                <a:solidFill>
+                  <a:srgbClr val="7F0055"/>
+                </a:solidFill>
+                <a:latin typeface="Consolas" panose="020B0609020204030204" pitchFamily="49" charset="0"/>
+              </a:rPr>
+              <a:t>return</a:t>
+            </a:r>
+            <a:r>
+              <a:rPr lang="en-IN" sz="1800" b="1" dirty="0">
+                <a:solidFill>
+                  <a:srgbClr val="000000"/>
+                </a:solidFill>
+                <a:latin typeface="Consolas" panose="020B0609020204030204" pitchFamily="49" charset="0"/>
+              </a:rPr>
+              <a:t> </a:t>
+            </a:r>
+            <a:r>
+              <a:rPr lang="en-IN" sz="1800" b="1" dirty="0">
+                <a:solidFill>
+                  <a:srgbClr val="7F0055"/>
+                </a:solidFill>
+                <a:latin typeface="Consolas" panose="020B0609020204030204" pitchFamily="49" charset="0"/>
+              </a:rPr>
+              <a:t>new</a:t>
+            </a:r>
+            <a:r>
+              <a:rPr lang="en-IN" sz="1800" b="1" dirty="0">
+                <a:solidFill>
+                  <a:srgbClr val="000000"/>
+                </a:solidFill>
+                <a:latin typeface="Consolas" panose="020B0609020204030204" pitchFamily="49" charset="0"/>
+              </a:rPr>
+              <a:t> PersonV2().</a:t>
+            </a:r>
+            <a:r>
+              <a:rPr lang="en-IN" sz="1800" b="1" dirty="0" err="1">
+                <a:solidFill>
+                  <a:srgbClr val="000000"/>
+                </a:solidFill>
+                <a:latin typeface="Consolas" panose="020B0609020204030204" pitchFamily="49" charset="0"/>
+              </a:rPr>
+              <a:t>toString</a:t>
+            </a:r>
+            <a:r>
+              <a:rPr lang="en-IN" sz="1800" b="1" dirty="0">
+                <a:solidFill>
+                  <a:srgbClr val="000000"/>
+                </a:solidFill>
+                <a:latin typeface="Consolas" panose="020B0609020204030204" pitchFamily="49" charset="0"/>
+              </a:rPr>
+              <a:t>();</a:t>
+            </a:r>
+          </a:p>
+          <a:p>
+            <a:pPr algn="l"/>
+            <a:r>
+              <a:rPr lang="en-IN" sz="1800" dirty="0">
+                <a:solidFill>
+                  <a:srgbClr val="000000"/>
+                </a:solidFill>
+                <a:latin typeface="Consolas" panose="020B0609020204030204" pitchFamily="49" charset="0"/>
+              </a:rPr>
+              <a:t>}</a:t>
+            </a:r>
+            <a:endParaRPr lang="en-IN" dirty="0"/>
+          </a:p>
+        </p:txBody>
+      </p:sp>
+    </p:spTree>
+    <p:extLst>
+      <p:ext uri="{BB962C8B-B14F-4D97-AF65-F5344CB8AC3E}">
+        <p14:creationId xmlns:p14="http://schemas.microsoft.com/office/powerpoint/2010/main" val="588930471"/>
+      </p:ext>
+    </p:extLst>
+  </p:cSld>
+  <p:clrMapOvr>
+    <a:masterClrMapping/>
+  </p:clrMapOvr>
+</p:sld>
+</file>
+
+<file path=ppt/slides/slide4.xml><?xml version="1.0" encoding="utf-8"?>
+<p:sld xmlns:a="http://schemas.openxmlformats.org/drawingml/2006/main" xmlns:r="http://schemas.openxmlformats.org/officeDocument/2006/relationships" xmlns:p="http://schemas.openxmlformats.org/presentationml/2006/main">
+  <p:cSld>
+    <p:spTree>
+      <p:nvGrpSpPr>
+        <p:cNvPr id="1" name=""/>
+        <p:cNvGrpSpPr/>
+        <p:nvPr/>
+      </p:nvGrpSpPr>
+      <p:grpSpPr>
+        <a:xfrm>
+          <a:off x="0" y="0"/>
+          <a:ext cx="0" cy="0"/>
+          <a:chOff x="0" y="0"/>
+          <a:chExt cx="0" cy="0"/>
+        </a:xfrm>
+      </p:grpSpPr>
+      <p:sp>
+        <p:nvSpPr>
+          <p:cNvPr id="2" name="Title 1">
+            <a:extLst>
+              <a:ext uri="{FF2B5EF4-FFF2-40B4-BE49-F238E27FC236}">
                 <a16:creationId xmlns:a16="http://schemas.microsoft.com/office/drawing/2014/main" id="{98FC7F7C-0A1D-40B2-8B0A-612053B174E9}"/>
               </a:ext>
             </a:extLst>
@@ -4640,7 +4862,7 @@
 </p:sld>
 </file>
 
-<file path=ppt/slides/slide4.xml><?xml version="1.0" encoding="utf-8"?>
+<file path=ppt/slides/slide5.xml><?xml version="1.0" encoding="utf-8"?>
 <p:sld xmlns:a="http://schemas.openxmlformats.org/drawingml/2006/main" xmlns:r="http://schemas.openxmlformats.org/officeDocument/2006/relationships" xmlns:p="http://schemas.openxmlformats.org/presentationml/2006/main">
   <p:cSld>
     <p:spTree>
@@ -4728,7 +4950,7 @@
 </p:sld>
 </file>
 
-<file path=ppt/slides/slide5.xml><?xml version="1.0" encoding="utf-8"?>
+<file path=ppt/slides/slide6.xml><?xml version="1.0" encoding="utf-8"?>
 <p:sld xmlns:a="http://schemas.openxmlformats.org/drawingml/2006/main" xmlns:r="http://schemas.openxmlformats.org/officeDocument/2006/relationships" xmlns:p="http://schemas.openxmlformats.org/presentationml/2006/main">
   <p:cSld>
     <p:spTree>
@@ -4766,7 +4988,11 @@
           <a:bodyPr/>
           <a:lstStyle/>
           <a:p>
-            <a:endParaRPr lang="en-IN"/>
+            <a:r>
+              <a:rPr lang="en-US" dirty="0"/>
+              <a:t>Producer Versioning</a:t>
+            </a:r>
+            <a:endParaRPr lang="en-IN" dirty="0"/>
           </a:p>
         </p:txBody>
       </p:sp>
@@ -4791,7 +5017,348 @@
           <a:bodyPr/>
           <a:lstStyle/>
           <a:p>
-            <a:endParaRPr lang="en-IN"/>
+            <a:pPr algn="l"/>
+            <a:r>
+              <a:rPr lang="en-IN" sz="1800" dirty="0">
+                <a:solidFill>
+                  <a:srgbClr val="3F7F5F"/>
+                </a:solidFill>
+                <a:latin typeface="Consolas" panose="020B0609020204030204" pitchFamily="49" charset="0"/>
+              </a:rPr>
+              <a:t>// Example of Producer </a:t>
+            </a:r>
+            <a:r>
+              <a:rPr lang="en-IN" sz="1800" u="sng" dirty="0">
+                <a:solidFill>
+                  <a:srgbClr val="3F7F5F"/>
+                </a:solidFill>
+                <a:latin typeface="Consolas" panose="020B0609020204030204" pitchFamily="49" charset="0"/>
+              </a:rPr>
+              <a:t>versioning</a:t>
+            </a:r>
+          </a:p>
+          <a:p>
+            <a:pPr algn="l"/>
+            <a:r>
+              <a:rPr lang="en-IN" sz="1800" dirty="0">
+                <a:solidFill>
+                  <a:srgbClr val="646464"/>
+                </a:solidFill>
+                <a:latin typeface="Consolas" panose="020B0609020204030204" pitchFamily="49" charset="0"/>
+              </a:rPr>
+              <a:t>@GetMapping</a:t>
+            </a:r>
+            <a:r>
+              <a:rPr lang="en-IN" sz="1800" dirty="0">
+                <a:solidFill>
+                  <a:srgbClr val="000000"/>
+                </a:solidFill>
+                <a:latin typeface="Consolas" panose="020B0609020204030204" pitchFamily="49" charset="0"/>
+              </a:rPr>
+              <a:t>(value=</a:t>
+            </a:r>
+            <a:r>
+              <a:rPr lang="en-IN" sz="1800" dirty="0">
+                <a:solidFill>
+                  <a:srgbClr val="2A00FF"/>
+                </a:solidFill>
+                <a:latin typeface="Consolas" panose="020B0609020204030204" pitchFamily="49" charset="0"/>
+              </a:rPr>
+              <a:t>"person/produces"</a:t>
+            </a:r>
+            <a:r>
+              <a:rPr lang="en-IN" sz="1800" dirty="0">
+                <a:solidFill>
+                  <a:srgbClr val="000000"/>
+                </a:solidFill>
+                <a:latin typeface="Consolas" panose="020B0609020204030204" pitchFamily="49" charset="0"/>
+              </a:rPr>
+              <a:t>,produces=</a:t>
+            </a:r>
+            <a:r>
+              <a:rPr lang="en-IN" sz="1800" dirty="0">
+                <a:solidFill>
+                  <a:srgbClr val="2A00FF"/>
+                </a:solidFill>
+                <a:latin typeface="Consolas" panose="020B0609020204030204" pitchFamily="49" charset="0"/>
+              </a:rPr>
+              <a:t>"ap/version1+json"</a:t>
+            </a:r>
+            <a:r>
+              <a:rPr lang="en-IN" sz="1800" dirty="0">
+                <a:solidFill>
+                  <a:srgbClr val="000000"/>
+                </a:solidFill>
+                <a:latin typeface="Consolas" panose="020B0609020204030204" pitchFamily="49" charset="0"/>
+              </a:rPr>
+              <a:t>)</a:t>
+            </a:r>
+          </a:p>
+          <a:p>
+            <a:pPr algn="l"/>
+            <a:r>
+              <a:rPr lang="en-IN" sz="1800" b="1" dirty="0">
+                <a:solidFill>
+                  <a:srgbClr val="7F0055"/>
+                </a:solidFill>
+                <a:latin typeface="Consolas" panose="020B0609020204030204" pitchFamily="49" charset="0"/>
+              </a:rPr>
+              <a:t>public</a:t>
+            </a:r>
+            <a:r>
+              <a:rPr lang="en-IN" sz="1800" b="1" dirty="0">
+                <a:solidFill>
+                  <a:srgbClr val="000000"/>
+                </a:solidFill>
+                <a:latin typeface="Consolas" panose="020B0609020204030204" pitchFamily="49" charset="0"/>
+              </a:rPr>
+              <a:t> String producesV1() {</a:t>
+            </a:r>
+          </a:p>
+          <a:p>
+            <a:pPr algn="l"/>
+            <a:r>
+              <a:rPr lang="en-IN" sz="1800" b="1" dirty="0">
+                <a:solidFill>
+                  <a:srgbClr val="7F0055"/>
+                </a:solidFill>
+                <a:latin typeface="Consolas" panose="020B0609020204030204" pitchFamily="49" charset="0"/>
+              </a:rPr>
+              <a:t>return</a:t>
+            </a:r>
+            <a:r>
+              <a:rPr lang="en-IN" sz="1800" b="1" dirty="0">
+                <a:solidFill>
+                  <a:srgbClr val="000000"/>
+                </a:solidFill>
+                <a:latin typeface="Consolas" panose="020B0609020204030204" pitchFamily="49" charset="0"/>
+              </a:rPr>
+              <a:t> </a:t>
+            </a:r>
+            <a:r>
+              <a:rPr lang="en-IN" sz="1800" b="1" dirty="0">
+                <a:solidFill>
+                  <a:srgbClr val="7F0055"/>
+                </a:solidFill>
+                <a:latin typeface="Consolas" panose="020B0609020204030204" pitchFamily="49" charset="0"/>
+              </a:rPr>
+              <a:t>new</a:t>
+            </a:r>
+            <a:r>
+              <a:rPr lang="en-IN" sz="1800" b="1" dirty="0">
+                <a:solidFill>
+                  <a:srgbClr val="000000"/>
+                </a:solidFill>
+                <a:latin typeface="Consolas" panose="020B0609020204030204" pitchFamily="49" charset="0"/>
+              </a:rPr>
+              <a:t> PersonV1().</a:t>
+            </a:r>
+            <a:r>
+              <a:rPr lang="en-IN" sz="1800" b="1" dirty="0" err="1">
+                <a:solidFill>
+                  <a:srgbClr val="000000"/>
+                </a:solidFill>
+                <a:latin typeface="Consolas" panose="020B0609020204030204" pitchFamily="49" charset="0"/>
+              </a:rPr>
+              <a:t>toString</a:t>
+            </a:r>
+            <a:r>
+              <a:rPr lang="en-IN" sz="1800" b="1" dirty="0">
+                <a:solidFill>
+                  <a:srgbClr val="000000"/>
+                </a:solidFill>
+                <a:latin typeface="Consolas" panose="020B0609020204030204" pitchFamily="49" charset="0"/>
+              </a:rPr>
+              <a:t>();</a:t>
+            </a:r>
+          </a:p>
+          <a:p>
+            <a:pPr algn="l"/>
+            <a:r>
+              <a:rPr lang="en-IN" sz="1800" dirty="0">
+                <a:solidFill>
+                  <a:srgbClr val="000000"/>
+                </a:solidFill>
+                <a:latin typeface="Consolas" panose="020B0609020204030204" pitchFamily="49" charset="0"/>
+              </a:rPr>
+              <a:t>}</a:t>
+            </a:r>
+          </a:p>
+          <a:p>
+            <a:pPr algn="l"/>
+            <a:r>
+              <a:rPr lang="en-IN" sz="1200" b="0" i="0" dirty="0">
+                <a:solidFill>
+                  <a:srgbClr val="212121"/>
+                </a:solidFill>
+                <a:effectLst/>
+                <a:latin typeface="Inter"/>
+              </a:rPr>
+              <a:t>http://localhost:8080/person/produces</a:t>
+            </a:r>
+            <a:endParaRPr lang="en-IN" sz="1800" dirty="0">
+              <a:solidFill>
+                <a:srgbClr val="000000"/>
+              </a:solidFill>
+              <a:latin typeface="Consolas" panose="020B0609020204030204" pitchFamily="49" charset="0"/>
+            </a:endParaRPr>
+          </a:p>
+          <a:p>
+            <a:pPr algn="l"/>
+            <a:endParaRPr lang="en-IN" sz="1800" dirty="0">
+              <a:latin typeface="Consolas" panose="020B0609020204030204" pitchFamily="49" charset="0"/>
+            </a:endParaRPr>
+          </a:p>
+          <a:p>
+            <a:pPr algn="l"/>
+            <a:r>
+              <a:rPr lang="en-IN" sz="1800" dirty="0">
+                <a:solidFill>
+                  <a:srgbClr val="646464"/>
+                </a:solidFill>
+                <a:latin typeface="Consolas" panose="020B0609020204030204" pitchFamily="49" charset="0"/>
+              </a:rPr>
+              <a:t>@GetMapping</a:t>
+            </a:r>
+            <a:r>
+              <a:rPr lang="en-IN" sz="1800" dirty="0">
+                <a:solidFill>
+                  <a:srgbClr val="000000"/>
+                </a:solidFill>
+                <a:latin typeface="Consolas" panose="020B0609020204030204" pitchFamily="49" charset="0"/>
+              </a:rPr>
+              <a:t>(value=</a:t>
+            </a:r>
+            <a:r>
+              <a:rPr lang="en-IN" sz="1800" dirty="0">
+                <a:solidFill>
+                  <a:srgbClr val="2A00FF"/>
+                </a:solidFill>
+                <a:latin typeface="Consolas" panose="020B0609020204030204" pitchFamily="49" charset="0"/>
+              </a:rPr>
+              <a:t>"person/produces"</a:t>
+            </a:r>
+            <a:r>
+              <a:rPr lang="en-IN" sz="1800" dirty="0">
+                <a:solidFill>
+                  <a:srgbClr val="000000"/>
+                </a:solidFill>
+                <a:latin typeface="Consolas" panose="020B0609020204030204" pitchFamily="49" charset="0"/>
+              </a:rPr>
+              <a:t>,produces=</a:t>
+            </a:r>
+            <a:r>
+              <a:rPr lang="en-IN" sz="1800" dirty="0">
+                <a:solidFill>
+                  <a:srgbClr val="2A00FF"/>
+                </a:solidFill>
+                <a:latin typeface="Consolas" panose="020B0609020204030204" pitchFamily="49" charset="0"/>
+              </a:rPr>
+              <a:t>"ap/version2+json"</a:t>
+            </a:r>
+            <a:r>
+              <a:rPr lang="en-IN" sz="1800" dirty="0">
+                <a:solidFill>
+                  <a:srgbClr val="000000"/>
+                </a:solidFill>
+                <a:latin typeface="Consolas" panose="020B0609020204030204" pitchFamily="49" charset="0"/>
+              </a:rPr>
+              <a:t>)</a:t>
+            </a:r>
+          </a:p>
+          <a:p>
+            <a:pPr algn="l"/>
+            <a:r>
+              <a:rPr lang="en-IN" sz="1800" b="1" dirty="0">
+                <a:solidFill>
+                  <a:srgbClr val="7F0055"/>
+                </a:solidFill>
+                <a:latin typeface="Consolas" panose="020B0609020204030204" pitchFamily="49" charset="0"/>
+              </a:rPr>
+              <a:t>public</a:t>
+            </a:r>
+            <a:r>
+              <a:rPr lang="en-IN" sz="1800" b="1" dirty="0">
+                <a:solidFill>
+                  <a:srgbClr val="000000"/>
+                </a:solidFill>
+                <a:latin typeface="Consolas" panose="020B0609020204030204" pitchFamily="49" charset="0"/>
+              </a:rPr>
+              <a:t> String producesV2() {</a:t>
+            </a:r>
+          </a:p>
+          <a:p>
+            <a:pPr algn="l"/>
+            <a:r>
+              <a:rPr lang="en-IN" sz="1800" b="1" dirty="0">
+                <a:solidFill>
+                  <a:srgbClr val="7F0055"/>
+                </a:solidFill>
+                <a:latin typeface="Consolas" panose="020B0609020204030204" pitchFamily="49" charset="0"/>
+              </a:rPr>
+              <a:t>return</a:t>
+            </a:r>
+            <a:r>
+              <a:rPr lang="en-IN" sz="1800" b="1" dirty="0">
+                <a:solidFill>
+                  <a:srgbClr val="000000"/>
+                </a:solidFill>
+                <a:latin typeface="Consolas" panose="020B0609020204030204" pitchFamily="49" charset="0"/>
+              </a:rPr>
+              <a:t> </a:t>
+            </a:r>
+            <a:r>
+              <a:rPr lang="en-IN" sz="1800" b="1" dirty="0">
+                <a:solidFill>
+                  <a:srgbClr val="7F0055"/>
+                </a:solidFill>
+                <a:latin typeface="Consolas" panose="020B0609020204030204" pitchFamily="49" charset="0"/>
+              </a:rPr>
+              <a:t>new</a:t>
+            </a:r>
+            <a:r>
+              <a:rPr lang="en-IN" sz="1800" b="1" dirty="0">
+                <a:solidFill>
+                  <a:srgbClr val="000000"/>
+                </a:solidFill>
+                <a:latin typeface="Consolas" panose="020B0609020204030204" pitchFamily="49" charset="0"/>
+              </a:rPr>
+              <a:t> PersonV2().</a:t>
+            </a:r>
+            <a:r>
+              <a:rPr lang="en-IN" sz="1800" b="1" dirty="0" err="1">
+                <a:solidFill>
+                  <a:srgbClr val="000000"/>
+                </a:solidFill>
+                <a:latin typeface="Consolas" panose="020B0609020204030204" pitchFamily="49" charset="0"/>
+              </a:rPr>
+              <a:t>toString</a:t>
+            </a:r>
+            <a:r>
+              <a:rPr lang="en-IN" sz="1800" b="1" dirty="0">
+                <a:solidFill>
+                  <a:srgbClr val="000000"/>
+                </a:solidFill>
+                <a:latin typeface="Consolas" panose="020B0609020204030204" pitchFamily="49" charset="0"/>
+              </a:rPr>
+              <a:t>();</a:t>
+            </a:r>
+          </a:p>
+          <a:p>
+            <a:pPr algn="l"/>
+            <a:r>
+              <a:rPr lang="en-IN" sz="1800" dirty="0">
+                <a:solidFill>
+                  <a:srgbClr val="000000"/>
+                </a:solidFill>
+                <a:latin typeface="Consolas" panose="020B0609020204030204" pitchFamily="49" charset="0"/>
+              </a:rPr>
+              <a:t>}</a:t>
+            </a:r>
+          </a:p>
+          <a:p>
+            <a:pPr algn="l"/>
+            <a:endParaRPr lang="en-IN" dirty="0"/>
           </a:p>
         </p:txBody>
       </p:sp>
@@ -4799,6 +5366,301 @@
     <p:extLst>
       <p:ext uri="{BB962C8B-B14F-4D97-AF65-F5344CB8AC3E}">
         <p14:creationId xmlns:p14="http://schemas.microsoft.com/office/powerpoint/2010/main" val="4002019677"/>
+      </p:ext>
+    </p:extLst>
+  </p:cSld>
+  <p:clrMapOvr>
+    <a:masterClrMapping/>
+  </p:clrMapOvr>
+</p:sld>
+</file>
+
+<file path=ppt/slides/slide7.xml><?xml version="1.0" encoding="utf-8"?>
+<p:sld xmlns:a="http://schemas.openxmlformats.org/drawingml/2006/main" xmlns:r="http://schemas.openxmlformats.org/officeDocument/2006/relationships" xmlns:p="http://schemas.openxmlformats.org/presentationml/2006/main">
+  <p:cSld>
+    <p:spTree>
+      <p:nvGrpSpPr>
+        <p:cNvPr id="1" name=""/>
+        <p:cNvGrpSpPr/>
+        <p:nvPr/>
+      </p:nvGrpSpPr>
+      <p:grpSpPr>
+        <a:xfrm>
+          <a:off x="0" y="0"/>
+          <a:ext cx="0" cy="0"/>
+          <a:chOff x="0" y="0"/>
+          <a:chExt cx="0" cy="0"/>
+        </a:xfrm>
+      </p:grpSpPr>
+      <p:sp>
+        <p:nvSpPr>
+          <p:cNvPr id="2" name="Title 1">
+            <a:extLst>
+              <a:ext uri="{FF2B5EF4-FFF2-40B4-BE49-F238E27FC236}">
+                <a16:creationId xmlns:a16="http://schemas.microsoft.com/office/drawing/2014/main" id="{6C10DAF7-8CFA-4CAC-AB59-D3C39680EFA9}"/>
+              </a:ext>
+            </a:extLst>
+          </p:cNvPr>
+          <p:cNvSpPr>
+            <a:spLocks noGrp="1"/>
+          </p:cNvSpPr>
+          <p:nvPr>
+            <p:ph type="title"/>
+          </p:nvPr>
+        </p:nvSpPr>
+        <p:spPr/>
+        <p:txBody>
+          <a:bodyPr/>
+          <a:lstStyle/>
+          <a:p>
+            <a:endParaRPr lang="en-IN"/>
+          </a:p>
+        </p:txBody>
+      </p:sp>
+      <p:sp>
+        <p:nvSpPr>
+          <p:cNvPr id="3" name="Content Placeholder 2">
+            <a:extLst>
+              <a:ext uri="{FF2B5EF4-FFF2-40B4-BE49-F238E27FC236}">
+                <a16:creationId xmlns:a16="http://schemas.microsoft.com/office/drawing/2014/main" id="{E1EDF1B5-45A9-479E-B848-74E1E7B80437}"/>
+              </a:ext>
+            </a:extLst>
+          </p:cNvPr>
+          <p:cNvSpPr>
+            <a:spLocks noGrp="1"/>
+          </p:cNvSpPr>
+          <p:nvPr>
+            <p:ph idx="1"/>
+          </p:nvPr>
+        </p:nvSpPr>
+        <p:spPr/>
+        <p:txBody>
+          <a:bodyPr/>
+          <a:lstStyle/>
+          <a:p>
+            <a:endParaRPr lang="en-IN" dirty="0"/>
+          </a:p>
+        </p:txBody>
+      </p:sp>
+      <p:pic>
+        <p:nvPicPr>
+          <p:cNvPr id="5" name="Picture 4">
+            <a:extLst>
+              <a:ext uri="{FF2B5EF4-FFF2-40B4-BE49-F238E27FC236}">
+                <a16:creationId xmlns:a16="http://schemas.microsoft.com/office/drawing/2014/main" id="{3CF99231-FA4B-4E74-BC94-BC83509FB97B}"/>
+              </a:ext>
+            </a:extLst>
+          </p:cNvPr>
+          <p:cNvPicPr>
+            <a:picLocks noChangeAspect="1"/>
+          </p:cNvPicPr>
+          <p:nvPr/>
+        </p:nvPicPr>
+        <p:blipFill>
+          <a:blip r:embed="rId2"/>
+          <a:stretch>
+            <a:fillRect/>
+          </a:stretch>
+        </p:blipFill>
+        <p:spPr>
+          <a:xfrm>
+            <a:off x="2834357" y="895130"/>
+            <a:ext cx="6523285" cy="5067739"/>
+          </a:xfrm>
+          <a:prstGeom prst="rect">
+            <a:avLst/>
+          </a:prstGeom>
+        </p:spPr>
+      </p:pic>
+    </p:spTree>
+    <p:extLst>
+      <p:ext uri="{BB962C8B-B14F-4D97-AF65-F5344CB8AC3E}">
+        <p14:creationId xmlns:p14="http://schemas.microsoft.com/office/powerpoint/2010/main" val="167072627"/>
+      </p:ext>
+    </p:extLst>
+  </p:cSld>
+  <p:clrMapOvr>
+    <a:masterClrMapping/>
+  </p:clrMapOvr>
+</p:sld>
+</file>
+
+<file path=ppt/slides/slide8.xml><?xml version="1.0" encoding="utf-8"?>
+<p:sld xmlns:a="http://schemas.openxmlformats.org/drawingml/2006/main" xmlns:r="http://schemas.openxmlformats.org/officeDocument/2006/relationships" xmlns:p="http://schemas.openxmlformats.org/presentationml/2006/main">
+  <p:cSld>
+    <p:spTree>
+      <p:nvGrpSpPr>
+        <p:cNvPr id="1" name=""/>
+        <p:cNvGrpSpPr/>
+        <p:nvPr/>
+      </p:nvGrpSpPr>
+      <p:grpSpPr>
+        <a:xfrm>
+          <a:off x="0" y="0"/>
+          <a:ext cx="0" cy="0"/>
+          <a:chOff x="0" y="0"/>
+          <a:chExt cx="0" cy="0"/>
+        </a:xfrm>
+      </p:grpSpPr>
+      <p:sp>
+        <p:nvSpPr>
+          <p:cNvPr id="2" name="Title 1">
+            <a:extLst>
+              <a:ext uri="{FF2B5EF4-FFF2-40B4-BE49-F238E27FC236}">
+                <a16:creationId xmlns:a16="http://schemas.microsoft.com/office/drawing/2014/main" id="{193DABE2-6D79-4EDD-B392-4CE6D6476E54}"/>
+              </a:ext>
+            </a:extLst>
+          </p:cNvPr>
+          <p:cNvSpPr>
+            <a:spLocks noGrp="1"/>
+          </p:cNvSpPr>
+          <p:nvPr>
+            <p:ph type="title"/>
+          </p:nvPr>
+        </p:nvSpPr>
+        <p:spPr/>
+        <p:txBody>
+          <a:bodyPr/>
+          <a:lstStyle/>
+          <a:p>
+            <a:r>
+              <a:rPr lang="en-US" dirty="0"/>
+              <a:t>Which is better or worse?—No one is perfect</a:t>
+            </a:r>
+            <a:endParaRPr lang="en-IN" dirty="0"/>
+          </a:p>
+        </p:txBody>
+      </p:sp>
+      <p:sp>
+        <p:nvSpPr>
+          <p:cNvPr id="3" name="Content Placeholder 2">
+            <a:extLst>
+              <a:ext uri="{FF2B5EF4-FFF2-40B4-BE49-F238E27FC236}">
+                <a16:creationId xmlns:a16="http://schemas.microsoft.com/office/drawing/2014/main" id="{F7728ADF-D7E0-4F15-84F6-2BE77D42EC01}"/>
+              </a:ext>
+            </a:extLst>
+          </p:cNvPr>
+          <p:cNvSpPr>
+            <a:spLocks noGrp="1"/>
+          </p:cNvSpPr>
+          <p:nvPr>
+            <p:ph idx="1"/>
+          </p:nvPr>
+        </p:nvSpPr>
+        <p:spPr/>
+        <p:txBody>
+          <a:bodyPr>
+            <a:normAutofit fontScale="92500" lnSpcReduction="20000"/>
+          </a:bodyPr>
+          <a:lstStyle/>
+          <a:p>
+            <a:r>
+              <a:rPr lang="en-US" dirty="0"/>
+              <a:t>URI Pollution:-</a:t>
+            </a:r>
+          </a:p>
+          <a:p>
+            <a:pPr lvl="1"/>
+            <a:r>
+              <a:rPr lang="en-US" dirty="0"/>
+              <a:t>Parametrized causes this pollution</a:t>
+            </a:r>
+          </a:p>
+          <a:p>
+            <a:r>
+              <a:rPr lang="en-US" dirty="0"/>
+              <a:t>Misuse of http headers</a:t>
+            </a:r>
+          </a:p>
+          <a:p>
+            <a:pPr lvl="1"/>
+            <a:r>
+              <a:rPr lang="en-US" dirty="0"/>
+              <a:t>Header and Content versioning causes misuse , as headers were not intended to use versioning</a:t>
+            </a:r>
+          </a:p>
+          <a:p>
+            <a:r>
+              <a:rPr lang="en-US" dirty="0"/>
+              <a:t>Caching</a:t>
+            </a:r>
+          </a:p>
+          <a:p>
+            <a:pPr lvl="1"/>
+            <a:r>
+              <a:rPr lang="en-US" dirty="0"/>
+              <a:t>Header and Content versioning can’t be used for caching since they use same </a:t>
+            </a:r>
+            <a:r>
+              <a:rPr lang="en-US" dirty="0" err="1"/>
+              <a:t>url</a:t>
+            </a:r>
+            <a:r>
+              <a:rPr lang="en-US" dirty="0"/>
+              <a:t> but different headers</a:t>
+            </a:r>
+          </a:p>
+          <a:p>
+            <a:r>
+              <a:rPr lang="en-US" dirty="0"/>
+              <a:t>Can be  used in browser?</a:t>
+            </a:r>
+          </a:p>
+          <a:p>
+            <a:pPr lvl="1"/>
+            <a:r>
+              <a:rPr lang="en-US" dirty="0"/>
+              <a:t>Header and Content versioning can’t be used  in browser.</a:t>
+            </a:r>
+          </a:p>
+          <a:p>
+            <a:r>
+              <a:rPr lang="en-US" dirty="0"/>
+              <a:t>API documentation</a:t>
+            </a:r>
+          </a:p>
+          <a:p>
+            <a:pPr lvl="1"/>
+            <a:r>
+              <a:rPr lang="en-US" dirty="0"/>
+              <a:t>Its easy for </a:t>
+            </a:r>
+            <a:r>
+              <a:rPr lang="en-US" dirty="0" err="1"/>
+              <a:t>Parameterised</a:t>
+            </a:r>
+            <a:r>
+              <a:rPr lang="en-US" dirty="0"/>
+              <a:t> and </a:t>
+            </a:r>
+            <a:r>
+              <a:rPr lang="en-US" dirty="0" err="1"/>
+              <a:t>uri</a:t>
+            </a:r>
+            <a:r>
+              <a:rPr lang="en-US" dirty="0"/>
+              <a:t> versioning.</a:t>
+            </a:r>
+          </a:p>
+          <a:p>
+            <a:endParaRPr lang="en-US" dirty="0"/>
+          </a:p>
+          <a:p>
+            <a:endParaRPr lang="en-US" dirty="0"/>
+          </a:p>
+          <a:p>
+            <a:endParaRPr lang="en-US" dirty="0"/>
+          </a:p>
+          <a:p>
+            <a:pPr lvl="1"/>
+            <a:endParaRPr lang="en-IN" dirty="0"/>
+          </a:p>
+        </p:txBody>
+      </p:sp>
+    </p:spTree>
+    <p:extLst>
+      <p:ext uri="{BB962C8B-B14F-4D97-AF65-F5344CB8AC3E}">
+        <p14:creationId xmlns:p14="http://schemas.microsoft.com/office/powerpoint/2010/main" val="1274407489"/>
       </p:ext>
     </p:extLst>
   </p:cSld>
